--- a/slides/Lecture_0.pptx
+++ b/slides/Lecture_0.pptx
@@ -310,7 +310,7 @@
       </p15:sldGuideLst>
     </p:ext>
     <p:ext uri="http://customooxmlschemas.google.com/">
-      <go:slidesCustomData xmlns:go="http://customooxmlschemas.google.com/" r:id="rId31" roundtripDataSignature="AMtx7mirkAg2nrHUNFQalzEldXGZlXx0Lg=="/>
+      <go:slidesCustomData xmlns:go="http://customooxmlschemas.google.com/" r:id="rId31" roundtripDataSignature="AMtx7miuEo9D+/pfm7dr0tNMCyEq8rpQWQ=="/>
     </p:ext>
   </p:extLst>
 </p:presentation>
@@ -2065,7 +2065,7 @@
   <p:cSld>
     <p:spTree>
       <p:nvGrpSpPr>
-        <p:cNvPr id="254" name="Shape 254"/>
+        <p:cNvPr id="253" name="Shape 253"/>
         <p:cNvGrpSpPr/>
         <p:nvPr/>
       </p:nvGrpSpPr>
@@ -2079,7 +2079,7 @@
       </p:grpSpPr>
       <p:sp>
         <p:nvSpPr>
-          <p:cNvPr id="255" name="Google Shape;255;gfcf7cc2df6_2_126:notes"/>
+          <p:cNvPr id="254" name="Google Shape;254;gfcf7cc2df6_2_126:notes"/>
           <p:cNvSpPr/>
           <p:nvPr>
             <p:ph idx="2" type="sldImg"/>
@@ -2114,7 +2114,7 @@
       </p:sp>
       <p:sp>
         <p:nvSpPr>
-          <p:cNvPr id="256" name="Google Shape;256;gfcf7cc2df6_2_126:notes"/>
+          <p:cNvPr id="255" name="Google Shape;255;gfcf7cc2df6_2_126:notes"/>
           <p:cNvSpPr txBox="1"/>
           <p:nvPr>
             <p:ph idx="1" type="body"/>
@@ -2285,7 +2285,7 @@
   <p:cSld>
     <p:spTree>
       <p:nvGrpSpPr>
-        <p:cNvPr id="265" name="Shape 265"/>
+        <p:cNvPr id="264" name="Shape 264"/>
         <p:cNvGrpSpPr/>
         <p:nvPr/>
       </p:nvGrpSpPr>
@@ -2299,7 +2299,7 @@
       </p:grpSpPr>
       <p:sp>
         <p:nvSpPr>
-          <p:cNvPr id="266" name="Google Shape;266;gfcbe7d1a3c_0_74:notes"/>
+          <p:cNvPr id="265" name="Google Shape;265;gfcbe7d1a3c_0_74:notes"/>
           <p:cNvSpPr/>
           <p:nvPr>
             <p:ph idx="2" type="sldImg"/>
@@ -2344,7 +2344,7 @@
       </p:sp>
       <p:sp>
         <p:nvSpPr>
-          <p:cNvPr id="267" name="Google Shape;267;gfcbe7d1a3c_0_74:notes"/>
+          <p:cNvPr id="266" name="Google Shape;266;gfcbe7d1a3c_0_74:notes"/>
           <p:cNvSpPr txBox="1"/>
           <p:nvPr>
             <p:ph idx="1" type="body"/>
@@ -2406,7 +2406,7 @@
   <p:cSld>
     <p:spTree>
       <p:nvGrpSpPr>
-        <p:cNvPr id="274" name="Shape 274"/>
+        <p:cNvPr id="273" name="Shape 273"/>
         <p:cNvGrpSpPr/>
         <p:nvPr/>
       </p:nvGrpSpPr>
@@ -2420,7 +2420,7 @@
       </p:grpSpPr>
       <p:sp>
         <p:nvSpPr>
-          <p:cNvPr id="275" name="Google Shape;275;gfce3403d9c_0_203:notes"/>
+          <p:cNvPr id="274" name="Google Shape;274;gfce3403d9c_0_203:notes"/>
           <p:cNvSpPr/>
           <p:nvPr>
             <p:ph idx="2" type="sldImg"/>
@@ -2465,7 +2465,7 @@
       </p:sp>
       <p:sp>
         <p:nvSpPr>
-          <p:cNvPr id="276" name="Google Shape;276;gfce3403d9c_0_203:notes"/>
+          <p:cNvPr id="275" name="Google Shape;275;gfce3403d9c_0_203:notes"/>
           <p:cNvSpPr txBox="1"/>
           <p:nvPr>
             <p:ph idx="1" type="body"/>
@@ -2527,7 +2527,7 @@
   <p:cSld>
     <p:spTree>
       <p:nvGrpSpPr>
-        <p:cNvPr id="291" name="Shape 291"/>
+        <p:cNvPr id="290" name="Shape 290"/>
         <p:cNvGrpSpPr/>
         <p:nvPr/>
       </p:nvGrpSpPr>
@@ -2541,7 +2541,7 @@
       </p:grpSpPr>
       <p:sp>
         <p:nvSpPr>
-          <p:cNvPr id="292" name="Google Shape;292;gfce3403d9c_0_1:notes"/>
+          <p:cNvPr id="291" name="Google Shape;291;gfce3403d9c_0_1:notes"/>
           <p:cNvSpPr/>
           <p:nvPr>
             <p:ph idx="2" type="sldImg"/>
@@ -2586,7 +2586,7 @@
       </p:sp>
       <p:sp>
         <p:nvSpPr>
-          <p:cNvPr id="293" name="Google Shape;293;gfce3403d9c_0_1:notes"/>
+          <p:cNvPr id="292" name="Google Shape;292;gfce3403d9c_0_1:notes"/>
           <p:cNvSpPr txBox="1"/>
           <p:nvPr>
             <p:ph idx="1" type="body"/>
@@ -2648,7 +2648,7 @@
   <p:cSld>
     <p:spTree>
       <p:nvGrpSpPr>
-        <p:cNvPr id="316" name="Shape 316"/>
+        <p:cNvPr id="315" name="Shape 315"/>
         <p:cNvGrpSpPr/>
         <p:nvPr/>
       </p:nvGrpSpPr>
@@ -2662,7 +2662,7 @@
       </p:grpSpPr>
       <p:sp>
         <p:nvSpPr>
-          <p:cNvPr id="317" name="Google Shape;317;gfcbe7d1a3c_0_84:notes"/>
+          <p:cNvPr id="316" name="Google Shape;316;gfcbe7d1a3c_0_84:notes"/>
           <p:cNvSpPr/>
           <p:nvPr>
             <p:ph idx="2" type="sldImg"/>
@@ -2707,7 +2707,7 @@
       </p:sp>
       <p:sp>
         <p:nvSpPr>
-          <p:cNvPr id="318" name="Google Shape;318;gfcbe7d1a3c_0_84:notes"/>
+          <p:cNvPr id="317" name="Google Shape;317;gfcbe7d1a3c_0_84:notes"/>
           <p:cNvSpPr txBox="1"/>
           <p:nvPr>
             <p:ph idx="1" type="body"/>
@@ -2769,7 +2769,7 @@
   <p:cSld>
     <p:spTree>
       <p:nvGrpSpPr>
-        <p:cNvPr id="325" name="Shape 325"/>
+        <p:cNvPr id="324" name="Shape 324"/>
         <p:cNvGrpSpPr/>
         <p:nvPr/>
       </p:nvGrpSpPr>
@@ -2783,7 +2783,7 @@
       </p:grpSpPr>
       <p:sp>
         <p:nvSpPr>
-          <p:cNvPr id="326" name="Google Shape;326;gfcfe1b95d1_0_0:notes"/>
+          <p:cNvPr id="325" name="Google Shape;325;gfcfe1b95d1_0_0:notes"/>
           <p:cNvSpPr/>
           <p:nvPr>
             <p:ph idx="2" type="sldImg"/>
@@ -2828,7 +2828,7 @@
       </p:sp>
       <p:sp>
         <p:nvSpPr>
-          <p:cNvPr id="327" name="Google Shape;327;gfcfe1b95d1_0_0:notes"/>
+          <p:cNvPr id="326" name="Google Shape;326;gfcfe1b95d1_0_0:notes"/>
           <p:cNvSpPr txBox="1"/>
           <p:nvPr>
             <p:ph idx="1" type="body"/>
@@ -18867,7 +18867,7 @@
             <a:tbl>
               <a:tblPr>
                 <a:noFill/>
-                <a:tableStyleId>{C1C32EE5-65AE-4178-B5E8-371945149A00}</a:tableStyleId>
+                <a:tableStyleId>{BAE3168E-34D9-48D2-8BBE-0A075FF7CC19}</a:tableStyleId>
               </a:tblPr>
               <a:tblGrid>
                 <a:gridCol w="1796925"/>
@@ -19329,151 +19329,6 @@
                             <a:schemeClr val="dk1"/>
                           </a:solidFill>
                         </a:rPr>
-                        <a:t>English</a:t>
-                      </a:r>
-                      <a:endParaRPr sz="1600">
-                        <a:solidFill>
-                          <a:schemeClr val="dk1"/>
-                        </a:solidFill>
-                      </a:endParaRPr>
-                    </a:p>
-                  </a:txBody>
-                  <a:tcPr marT="91425" marB="91425" marR="91425" marL="91425">
-                    <a:lnL cap="flat" cmpd="sng" w="9525">
-                      <a:solidFill>
-                        <a:srgbClr val="9E9E9E">
-                          <a:alpha val="0"/>
-                        </a:srgbClr>
-                      </a:solidFill>
-                      <a:prstDash val="solid"/>
-                      <a:round/>
-                      <a:headEnd len="sm" w="sm" type="none"/>
-                      <a:tailEnd len="sm" w="sm" type="none"/>
-                    </a:lnL>
-                    <a:lnR cap="flat" cmpd="sng" w="9525">
-                      <a:solidFill>
-                        <a:srgbClr val="9E9E9E">
-                          <a:alpha val="0"/>
-                        </a:srgbClr>
-                      </a:solidFill>
-                      <a:prstDash val="solid"/>
-                      <a:round/>
-                      <a:headEnd len="sm" w="sm" type="none"/>
-                      <a:tailEnd len="sm" w="sm" type="none"/>
-                    </a:lnR>
-                    <a:lnT cap="flat" cmpd="sng" w="9525">
-                      <a:solidFill>
-                        <a:srgbClr val="9E9E9E">
-                          <a:alpha val="0"/>
-                        </a:srgbClr>
-                      </a:solidFill>
-                      <a:prstDash val="solid"/>
-                      <a:round/>
-                      <a:headEnd len="sm" w="sm" type="none"/>
-                      <a:tailEnd len="sm" w="sm" type="none"/>
-                    </a:lnT>
-                    <a:lnB cap="flat" cmpd="sng" w="9525">
-                      <a:solidFill>
-                        <a:srgbClr val="9E9E9E">
-                          <a:alpha val="0"/>
-                        </a:srgbClr>
-                      </a:solidFill>
-                      <a:prstDash val="solid"/>
-                      <a:round/>
-                      <a:headEnd len="sm" w="sm" type="none"/>
-                      <a:tailEnd len="sm" w="sm" type="none"/>
-                    </a:lnB>
-                  </a:tcPr>
-                </a:tc>
-                <a:tc>
-                  <a:txBody>
-                    <a:bodyPr/>
-                    <a:lstStyle/>
-                    <a:p>
-                      <a:pPr indent="0" lvl="0" marL="0" rtl="0" algn="l">
-                        <a:spcBef>
-                          <a:spcPts val="0"/>
-                        </a:spcBef>
-                        <a:spcAft>
-                          <a:spcPts val="0"/>
-                        </a:spcAft>
-                        <a:buNone/>
-                      </a:pPr>
-                      <a:r>
-                        <a:t/>
-                      </a:r>
-                      <a:endParaRPr/>
-                    </a:p>
-                  </a:txBody>
-                  <a:tcPr marT="91425" marB="91425" marR="91425" marL="91425">
-                    <a:lnL cap="flat" cmpd="sng" w="9525">
-                      <a:solidFill>
-                        <a:srgbClr val="9E9E9E">
-                          <a:alpha val="0"/>
-                        </a:srgbClr>
-                      </a:solidFill>
-                      <a:prstDash val="solid"/>
-                      <a:round/>
-                      <a:headEnd len="sm" w="sm" type="none"/>
-                      <a:tailEnd len="sm" w="sm" type="none"/>
-                    </a:lnL>
-                    <a:lnR cap="flat" cmpd="sng" w="9525">
-                      <a:solidFill>
-                        <a:srgbClr val="9E9E9E">
-                          <a:alpha val="0"/>
-                        </a:srgbClr>
-                      </a:solidFill>
-                      <a:prstDash val="solid"/>
-                      <a:round/>
-                      <a:headEnd len="sm" w="sm" type="none"/>
-                      <a:tailEnd len="sm" w="sm" type="none"/>
-                    </a:lnR>
-                    <a:lnT cap="flat" cmpd="sng" w="9525">
-                      <a:solidFill>
-                        <a:srgbClr val="9E9E9E">
-                          <a:alpha val="0"/>
-                        </a:srgbClr>
-                      </a:solidFill>
-                      <a:prstDash val="solid"/>
-                      <a:round/>
-                      <a:headEnd len="sm" w="sm" type="none"/>
-                      <a:tailEnd len="sm" w="sm" type="none"/>
-                    </a:lnT>
-                    <a:lnB cap="flat" cmpd="sng" w="9525">
-                      <a:solidFill>
-                        <a:srgbClr val="9E9E9E">
-                          <a:alpha val="0"/>
-                        </a:srgbClr>
-                      </a:solidFill>
-                      <a:prstDash val="solid"/>
-                      <a:round/>
-                      <a:headEnd len="sm" w="sm" type="none"/>
-                      <a:tailEnd len="sm" w="sm" type="none"/>
-                    </a:lnB>
-                  </a:tcPr>
-                </a:tc>
-              </a:tr>
-              <a:tr h="426700">
-                <a:tc>
-                  <a:txBody>
-                    <a:bodyPr/>
-                    <a:lstStyle/>
-                    <a:p>
-                      <a:pPr indent="0" lvl="0" marL="0" rtl="0" algn="l">
-                        <a:spcBef>
-                          <a:spcPts val="0"/>
-                        </a:spcBef>
-                        <a:spcAft>
-                          <a:spcPts val="0"/>
-                        </a:spcAft>
-                        <a:buNone/>
-                      </a:pPr>
-                      <a:r>
-                        <a:rPr lang="en" sz="1600">
-                          <a:solidFill>
-                            <a:schemeClr val="dk1"/>
-                          </a:solidFill>
-                        </a:rPr>
                         <a:t>Free time</a:t>
                       </a:r>
                       <a:endParaRPr sz="1600">
@@ -19674,7 +19529,7 @@
         </p:blipFill>
         <p:spPr>
           <a:xfrm>
-            <a:off x="3325425" y="3727900"/>
+            <a:off x="3325425" y="3271850"/>
             <a:ext cx="295775" cy="242700"/>
           </a:xfrm>
           <a:prstGeom prst="rect">
@@ -19740,57 +19595,6 @@
       <p:sp>
         <p:nvSpPr>
           <p:cNvPr id="250" name="Google Shape;250;gfcf7cc2df6_2_121"/>
-          <p:cNvSpPr/>
-          <p:nvPr/>
-        </p:nvSpPr>
-        <p:spPr>
-          <a:xfrm>
-            <a:off x="3347314" y="3281664"/>
-            <a:ext cx="252000" cy="305100"/>
-          </a:xfrm>
-          <a:prstGeom prst="mathMultiply">
-            <a:avLst>
-              <a:gd fmla="val 23520" name="adj1"/>
-            </a:avLst>
-          </a:prstGeom>
-          <a:solidFill>
-            <a:srgbClr val="CC0000"/>
-          </a:solidFill>
-          <a:ln cap="flat" cmpd="sng" w="9525">
-            <a:solidFill>
-              <a:schemeClr val="dk2"/>
-            </a:solidFill>
-            <a:prstDash val="solid"/>
-            <a:round/>
-            <a:headEnd len="sm" w="sm" type="none"/>
-            <a:tailEnd len="sm" w="sm" type="none"/>
-          </a:ln>
-        </p:spPr>
-        <p:txBody>
-          <a:bodyPr anchorCtr="0" anchor="ctr" bIns="91425" lIns="91425" spcFirstLastPara="1" rIns="91425" wrap="square" tIns="91425">
-            <a:noAutofit/>
-          </a:bodyPr>
-          <a:lstStyle/>
-          <a:p>
-            <a:pPr indent="0" lvl="0" marL="0" rtl="0" algn="l">
-              <a:spcBef>
-                <a:spcPts val="0"/>
-              </a:spcBef>
-              <a:spcAft>
-                <a:spcPts val="0"/>
-              </a:spcAft>
-              <a:buNone/>
-            </a:pPr>
-            <a:r>
-              <a:t/>
-            </a:r>
-            <a:endParaRPr/>
-          </a:p>
-        </p:txBody>
-      </p:sp>
-      <p:sp>
-        <p:nvSpPr>
-          <p:cNvPr id="251" name="Google Shape;251;gfcf7cc2df6_2_121"/>
           <p:cNvSpPr txBox="1"/>
           <p:nvPr/>
         </p:nvSpPr>
@@ -19886,7 +19690,7 @@
       </p:sp>
       <p:sp>
         <p:nvSpPr>
-          <p:cNvPr id="252" name="Google Shape;252;gfcf7cc2df6_2_121"/>
+          <p:cNvPr id="251" name="Google Shape;251;gfcf7cc2df6_2_121"/>
           <p:cNvSpPr txBox="1"/>
           <p:nvPr/>
         </p:nvSpPr>
@@ -19940,13 +19744,13 @@
       </p:sp>
       <p:sp>
         <p:nvSpPr>
-          <p:cNvPr id="253" name="Google Shape;253;gfcf7cc2df6_2_121"/>
+          <p:cNvPr id="252" name="Google Shape;252;gfcf7cc2df6_2_121"/>
           <p:cNvSpPr/>
           <p:nvPr/>
         </p:nvSpPr>
         <p:spPr>
           <a:xfrm>
-            <a:off x="16050" y="18825"/>
+            <a:off x="16050" y="24750"/>
             <a:ext cx="9111900" cy="5094000"/>
           </a:xfrm>
           <a:prstGeom prst="rect">
@@ -20199,59 +20003,6 @@
                                           </p:stCondLst>
                                         </p:cTn>
                                         <p:tgtEl>
-                                          <p:spTgt spid="250"/>
-                                        </p:tgtEl>
-                                        <p:attrNameLst>
-                                          <p:attrName>style.visibility</p:attrName>
-                                        </p:attrNameLst>
-                                      </p:cBhvr>
-                                      <p:to>
-                                        <p:strVal val="visible"/>
-                                      </p:to>
-                                    </p:set>
-                                    <p:animEffect filter="fade" transition="in">
-                                      <p:cBhvr>
-                                        <p:cTn dur="1000"/>
-                                        <p:tgtEl>
-                                          <p:spTgt spid="250"/>
-                                        </p:tgtEl>
-                                      </p:cBhvr>
-                                    </p:animEffect>
-                                  </p:childTnLst>
-                                </p:cTn>
-                              </p:par>
-                            </p:childTnLst>
-                          </p:cTn>
-                        </p:par>
-                      </p:childTnLst>
-                    </p:cTn>
-                  </p:par>
-                  <p:par>
-                    <p:cTn fill="hold">
-                      <p:stCondLst>
-                        <p:cond delay="indefinite"/>
-                      </p:stCondLst>
-                      <p:childTnLst>
-                        <p:par>
-                          <p:cTn fill="hold">
-                            <p:stCondLst>
-                              <p:cond delay="0"/>
-                            </p:stCondLst>
-                            <p:childTnLst>
-                              <p:par>
-                                <p:cTn fill="hold" nodeType="clickEffect" presetClass="entr" presetID="10" presetSubtype="0">
-                                  <p:stCondLst>
-                                    <p:cond delay="0"/>
-                                  </p:stCondLst>
-                                  <p:childTnLst>
-                                    <p:set>
-                                      <p:cBhvr>
-                                        <p:cTn dur="1" fill="hold">
-                                          <p:stCondLst>
-                                            <p:cond delay="0"/>
-                                          </p:stCondLst>
-                                        </p:cTn>
-                                        <p:tgtEl>
                                           <p:spTgt spid="248"/>
                                         </p:tgtEl>
                                         <p:attrNameLst>
@@ -20309,7 +20060,7 @@
   <p:cSld>
     <p:spTree>
       <p:nvGrpSpPr>
-        <p:cNvPr id="257" name="Shape 257"/>
+        <p:cNvPr id="256" name="Shape 256"/>
         <p:cNvGrpSpPr/>
         <p:nvPr/>
       </p:nvGrpSpPr>
@@ -20323,7 +20074,7 @@
       </p:grpSpPr>
       <p:sp>
         <p:nvSpPr>
-          <p:cNvPr id="258" name="Google Shape;258;gfcf7cc2df6_2_126"/>
+          <p:cNvPr id="257" name="Google Shape;257;gfcf7cc2df6_2_126"/>
           <p:cNvSpPr txBox="1"/>
           <p:nvPr/>
         </p:nvSpPr>
@@ -20419,7 +20170,7 @@
       </p:sp>
       <p:sp>
         <p:nvSpPr>
-          <p:cNvPr id="259" name="Google Shape;259;gfcf7cc2df6_2_126"/>
+          <p:cNvPr id="258" name="Google Shape;258;gfcf7cc2df6_2_126"/>
           <p:cNvSpPr txBox="1"/>
           <p:nvPr/>
         </p:nvSpPr>
@@ -20473,7 +20224,7 @@
       </p:sp>
       <p:graphicFrame>
         <p:nvGraphicFramePr>
-          <p:cNvPr id="260" name="Google Shape;260;gfcf7cc2df6_2_126"/>
+          <p:cNvPr id="259" name="Google Shape;259;gfcf7cc2df6_2_126"/>
           <p:cNvGraphicFramePr/>
           <p:nvPr/>
         </p:nvGraphicFramePr>
@@ -20486,7 +20237,7 @@
             <a:tbl>
               <a:tblPr>
                 <a:noFill/>
-                <a:tableStyleId>{C1C32EE5-65AE-4178-B5E8-371945149A00}</a:tableStyleId>
+                <a:tableStyleId>{BAE3168E-34D9-48D2-8BBE-0A075FF7CC19}</a:tableStyleId>
               </a:tblPr>
               <a:tblGrid>
                 <a:gridCol w="1796925"/>
@@ -20575,7 +20326,7 @@
       </p:graphicFrame>
       <p:graphicFrame>
         <p:nvGraphicFramePr>
-          <p:cNvPr id="261" name="Google Shape;261;gfcf7cc2df6_2_126"/>
+          <p:cNvPr id="260" name="Google Shape;260;gfcf7cc2df6_2_126"/>
           <p:cNvGraphicFramePr/>
           <p:nvPr/>
         </p:nvGraphicFramePr>
@@ -20588,7 +20339,7 @@
             <a:tbl>
               <a:tblPr>
                 <a:noFill/>
-                <a:tableStyleId>{C1C32EE5-65AE-4178-B5E8-371945149A00}</a:tableStyleId>
+                <a:tableStyleId>{BAE3168E-34D9-48D2-8BBE-0A075FF7CC19}</a:tableStyleId>
               </a:tblPr>
               <a:tblGrid>
                 <a:gridCol w="1796925"/>
@@ -20677,7 +20428,7 @@
       </p:graphicFrame>
       <p:graphicFrame>
         <p:nvGraphicFramePr>
-          <p:cNvPr id="262" name="Google Shape;262;gfcf7cc2df6_2_126"/>
+          <p:cNvPr id="261" name="Google Shape;261;gfcf7cc2df6_2_126"/>
           <p:cNvGraphicFramePr/>
           <p:nvPr/>
         </p:nvGraphicFramePr>
@@ -20690,7 +20441,7 @@
             <a:tbl>
               <a:tblPr>
                 <a:noFill/>
-                <a:tableStyleId>{C1C32EE5-65AE-4178-B5E8-371945149A00}</a:tableStyleId>
+                <a:tableStyleId>{BAE3168E-34D9-48D2-8BBE-0A075FF7CC19}</a:tableStyleId>
               </a:tblPr>
               <a:tblGrid>
                 <a:gridCol w="1796925"/>
@@ -20779,7 +20530,7 @@
       </p:graphicFrame>
       <p:graphicFrame>
         <p:nvGraphicFramePr>
-          <p:cNvPr id="263" name="Google Shape;263;gfcf7cc2df6_2_126"/>
+          <p:cNvPr id="262" name="Google Shape;262;gfcf7cc2df6_2_126"/>
           <p:cNvGraphicFramePr/>
           <p:nvPr/>
         </p:nvGraphicFramePr>
@@ -20792,7 +20543,7 @@
             <a:tbl>
               <a:tblPr>
                 <a:noFill/>
-                <a:tableStyleId>{C1C32EE5-65AE-4178-B5E8-371945149A00}</a:tableStyleId>
+                <a:tableStyleId>{BAE3168E-34D9-48D2-8BBE-0A075FF7CC19}</a:tableStyleId>
               </a:tblPr>
               <a:tblGrid>
                 <a:gridCol w="1796925"/>
@@ -20881,7 +20632,7 @@
       </p:graphicFrame>
       <p:sp>
         <p:nvSpPr>
-          <p:cNvPr id="264" name="Google Shape;264;gfcf7cc2df6_2_126"/>
+          <p:cNvPr id="263" name="Google Shape;263;gfcf7cc2df6_2_126"/>
           <p:cNvSpPr/>
           <p:nvPr/>
         </p:nvSpPr>
@@ -20955,6 +20706,59 @@
             <p:seq concurrent="1" nextAc="seek">
               <p:cTn dur="indefinite" id="2" nodeType="mainSeq">
                 <p:childTnLst>
+                  <p:par>
+                    <p:cTn fill="hold">
+                      <p:stCondLst>
+                        <p:cond delay="indefinite"/>
+                      </p:stCondLst>
+                      <p:childTnLst>
+                        <p:par>
+                          <p:cTn fill="hold">
+                            <p:stCondLst>
+                              <p:cond delay="0"/>
+                            </p:stCondLst>
+                            <p:childTnLst>
+                              <p:par>
+                                <p:cTn fill="hold" nodeType="clickEffect" presetClass="entr" presetID="10" presetSubtype="0">
+                                  <p:stCondLst>
+                                    <p:cond delay="0"/>
+                                  </p:stCondLst>
+                                  <p:childTnLst>
+                                    <p:set>
+                                      <p:cBhvr>
+                                        <p:cTn dur="1" fill="hold">
+                                          <p:stCondLst>
+                                            <p:cond delay="0"/>
+                                          </p:stCondLst>
+                                        </p:cTn>
+                                        <p:tgtEl>
+                                          <p:spTgt spid="259"/>
+                                        </p:tgtEl>
+                                        <p:attrNameLst>
+                                          <p:attrName>style.visibility</p:attrName>
+                                        </p:attrNameLst>
+                                      </p:cBhvr>
+                                      <p:to>
+                                        <p:strVal val="visible"/>
+                                      </p:to>
+                                    </p:set>
+                                    <p:animEffect filter="fade" transition="in">
+                                      <p:cBhvr>
+                                        <p:cTn dur="1000"/>
+                                        <p:tgtEl>
+                                          <p:spTgt spid="259"/>
+                                        </p:tgtEl>
+                                      </p:cBhvr>
+                                    </p:animEffect>
+                                  </p:childTnLst>
+                                </p:cTn>
+                              </p:par>
+                            </p:childTnLst>
+                          </p:cTn>
+                        </p:par>
+                      </p:childTnLst>
+                    </p:cTn>
+                  </p:par>
                   <p:par>
                     <p:cTn fill="hold">
                       <p:stCondLst>
@@ -21114,59 +20918,6 @@
                       </p:childTnLst>
                     </p:cTn>
                   </p:par>
-                  <p:par>
-                    <p:cTn fill="hold">
-                      <p:stCondLst>
-                        <p:cond delay="indefinite"/>
-                      </p:stCondLst>
-                      <p:childTnLst>
-                        <p:par>
-                          <p:cTn fill="hold">
-                            <p:stCondLst>
-                              <p:cond delay="0"/>
-                            </p:stCondLst>
-                            <p:childTnLst>
-                              <p:par>
-                                <p:cTn fill="hold" nodeType="clickEffect" presetClass="entr" presetID="10" presetSubtype="0">
-                                  <p:stCondLst>
-                                    <p:cond delay="0"/>
-                                  </p:stCondLst>
-                                  <p:childTnLst>
-                                    <p:set>
-                                      <p:cBhvr>
-                                        <p:cTn dur="1" fill="hold">
-                                          <p:stCondLst>
-                                            <p:cond delay="0"/>
-                                          </p:stCondLst>
-                                        </p:cTn>
-                                        <p:tgtEl>
-                                          <p:spTgt spid="263"/>
-                                        </p:tgtEl>
-                                        <p:attrNameLst>
-                                          <p:attrName>style.visibility</p:attrName>
-                                        </p:attrNameLst>
-                                      </p:cBhvr>
-                                      <p:to>
-                                        <p:strVal val="visible"/>
-                                      </p:to>
-                                    </p:set>
-                                    <p:animEffect filter="fade" transition="in">
-                                      <p:cBhvr>
-                                        <p:cTn dur="1000"/>
-                                        <p:tgtEl>
-                                          <p:spTgt spid="263"/>
-                                        </p:tgtEl>
-                                      </p:cBhvr>
-                                    </p:animEffect>
-                                  </p:childTnLst>
-                                </p:cTn>
-                              </p:par>
-                            </p:childTnLst>
-                          </p:cTn>
-                        </p:par>
-                      </p:childTnLst>
-                    </p:cTn>
-                  </p:par>
                 </p:childTnLst>
               </p:cTn>
               <p:prevCondLst>
@@ -21566,7 +21317,7 @@
     </p:bg>
     <p:spTree>
       <p:nvGrpSpPr>
-        <p:cNvPr id="268" name="Shape 268"/>
+        <p:cNvPr id="267" name="Shape 267"/>
         <p:cNvGrpSpPr/>
         <p:nvPr/>
       </p:nvGrpSpPr>
@@ -21580,7 +21331,7 @@
       </p:grpSpPr>
       <p:sp>
         <p:nvSpPr>
-          <p:cNvPr id="269" name="Google Shape;269;gfcbe7d1a3c_0_74"/>
+          <p:cNvPr id="268" name="Google Shape;268;gfcbe7d1a3c_0_74"/>
           <p:cNvSpPr txBox="1"/>
           <p:nvPr/>
         </p:nvSpPr>
@@ -21684,7 +21435,7 @@
       </p:sp>
       <p:pic>
         <p:nvPicPr>
-          <p:cNvPr id="270" name="Google Shape;270;gfcbe7d1a3c_0_74"/>
+          <p:cNvPr id="269" name="Google Shape;269;gfcbe7d1a3c_0_74"/>
           <p:cNvPicPr preferRelativeResize="0"/>
           <p:nvPr/>
         </p:nvPicPr>
@@ -21712,7 +21463,7 @@
       </p:pic>
       <p:pic>
         <p:nvPicPr>
-          <p:cNvPr id="271" name="Google Shape;271;gfcbe7d1a3c_0_74"/>
+          <p:cNvPr id="270" name="Google Shape;270;gfcbe7d1a3c_0_74"/>
           <p:cNvPicPr preferRelativeResize="0"/>
           <p:nvPr/>
         </p:nvPicPr>
@@ -21740,7 +21491,7 @@
       </p:pic>
       <p:sp>
         <p:nvSpPr>
-          <p:cNvPr id="272" name="Google Shape;272;gfcbe7d1a3c_0_74"/>
+          <p:cNvPr id="271" name="Google Shape;271;gfcbe7d1a3c_0_74"/>
           <p:cNvSpPr txBox="1"/>
           <p:nvPr/>
         </p:nvSpPr>
@@ -21790,7 +21541,7 @@
       </p:sp>
       <p:sp>
         <p:nvSpPr>
-          <p:cNvPr id="273" name="Google Shape;273;gfcbe7d1a3c_0_74"/>
+          <p:cNvPr id="272" name="Google Shape;272;gfcbe7d1a3c_0_74"/>
           <p:cNvSpPr/>
           <p:nvPr/>
         </p:nvSpPr>
@@ -21890,7 +21641,7 @@
                                           </p:stCondLst>
                                         </p:cTn>
                                         <p:tgtEl>
-                                          <p:spTgt spid="271"/>
+                                          <p:spTgt spid="270"/>
                                         </p:tgtEl>
                                         <p:attrNameLst>
                                           <p:attrName>style.visibility</p:attrName>
@@ -21904,7 +21655,7 @@
                                       <p:cBhvr>
                                         <p:cTn dur="1000"/>
                                         <p:tgtEl>
-                                          <p:spTgt spid="271"/>
+                                          <p:spTgt spid="270"/>
                                         </p:tgtEl>
                                       </p:cBhvr>
                                     </p:animEffect>
@@ -21925,7 +21676,7 @@
                                           </p:stCondLst>
                                         </p:cTn>
                                         <p:tgtEl>
-                                          <p:spTgt spid="270"/>
+                                          <p:spTgt spid="269"/>
                                         </p:tgtEl>
                                         <p:attrNameLst>
                                           <p:attrName>style.visibility</p:attrName>
@@ -21939,7 +21690,7 @@
                                       <p:cBhvr>
                                         <p:cTn dur="1000"/>
                                         <p:tgtEl>
-                                          <p:spTgt spid="270"/>
+                                          <p:spTgt spid="269"/>
                                         </p:tgtEl>
                                       </p:cBhvr>
                                     </p:animEffect>
@@ -21989,7 +21740,7 @@
     </p:bg>
     <p:spTree>
       <p:nvGrpSpPr>
-        <p:cNvPr id="277" name="Shape 277"/>
+        <p:cNvPr id="276" name="Shape 276"/>
         <p:cNvGrpSpPr/>
         <p:nvPr/>
       </p:nvGrpSpPr>
@@ -22003,7 +21754,7 @@
       </p:grpSpPr>
       <p:pic>
         <p:nvPicPr>
-          <p:cNvPr id="278" name="Google Shape;278;gfce3403d9c_0_203"/>
+          <p:cNvPr id="277" name="Google Shape;277;gfce3403d9c_0_203"/>
           <p:cNvPicPr preferRelativeResize="0"/>
           <p:nvPr/>
         </p:nvPicPr>
@@ -22031,7 +21782,7 @@
       </p:pic>
       <p:pic>
         <p:nvPicPr>
-          <p:cNvPr id="279" name="Google Shape;279;gfce3403d9c_0_203"/>
+          <p:cNvPr id="278" name="Google Shape;278;gfce3403d9c_0_203"/>
           <p:cNvPicPr preferRelativeResize="0"/>
           <p:nvPr/>
         </p:nvPicPr>
@@ -22059,7 +21810,7 @@
       </p:pic>
       <p:pic>
         <p:nvPicPr>
-          <p:cNvPr id="280" name="Google Shape;280;gfce3403d9c_0_203"/>
+          <p:cNvPr id="279" name="Google Shape;279;gfce3403d9c_0_203"/>
           <p:cNvPicPr preferRelativeResize="0"/>
           <p:nvPr/>
         </p:nvPicPr>
@@ -22087,7 +21838,7 @@
       </p:pic>
       <p:pic>
         <p:nvPicPr>
-          <p:cNvPr id="281" name="Google Shape;281;gfce3403d9c_0_203"/>
+          <p:cNvPr id="280" name="Google Shape;280;gfce3403d9c_0_203"/>
           <p:cNvPicPr preferRelativeResize="0"/>
           <p:nvPr/>
         </p:nvPicPr>
@@ -22115,7 +21866,7 @@
       </p:pic>
       <p:pic>
         <p:nvPicPr>
-          <p:cNvPr id="282" name="Google Shape;282;gfce3403d9c_0_203"/>
+          <p:cNvPr id="281" name="Google Shape;281;gfce3403d9c_0_203"/>
           <p:cNvPicPr preferRelativeResize="0"/>
           <p:nvPr/>
         </p:nvPicPr>
@@ -22143,7 +21894,7 @@
       </p:pic>
       <p:pic>
         <p:nvPicPr>
-          <p:cNvPr id="283" name="Google Shape;283;gfce3403d9c_0_203"/>
+          <p:cNvPr id="282" name="Google Shape;282;gfce3403d9c_0_203"/>
           <p:cNvPicPr preferRelativeResize="0"/>
           <p:nvPr/>
         </p:nvPicPr>
@@ -22171,7 +21922,7 @@
       </p:pic>
       <p:pic>
         <p:nvPicPr>
-          <p:cNvPr id="284" name="Google Shape;284;gfce3403d9c_0_203"/>
+          <p:cNvPr id="283" name="Google Shape;283;gfce3403d9c_0_203"/>
           <p:cNvPicPr preferRelativeResize="0"/>
           <p:nvPr/>
         </p:nvPicPr>
@@ -22199,7 +21950,7 @@
       </p:pic>
       <p:pic>
         <p:nvPicPr>
-          <p:cNvPr id="285" name="Google Shape;285;gfce3403d9c_0_203"/>
+          <p:cNvPr id="284" name="Google Shape;284;gfce3403d9c_0_203"/>
           <p:cNvPicPr preferRelativeResize="0"/>
           <p:nvPr/>
         </p:nvPicPr>
@@ -22227,7 +21978,7 @@
       </p:pic>
       <p:sp>
         <p:nvSpPr>
-          <p:cNvPr id="286" name="Google Shape;286;gfce3403d9c_0_203"/>
+          <p:cNvPr id="285" name="Google Shape;285;gfce3403d9c_0_203"/>
           <p:cNvSpPr/>
           <p:nvPr/>
         </p:nvSpPr>
@@ -22274,7 +22025,7 @@
       </p:sp>
       <p:pic>
         <p:nvPicPr>
-          <p:cNvPr id="287" name="Google Shape;287;gfce3403d9c_0_203"/>
+          <p:cNvPr id="286" name="Google Shape;286;gfce3403d9c_0_203"/>
           <p:cNvPicPr preferRelativeResize="0"/>
           <p:nvPr/>
         </p:nvPicPr>
@@ -22302,7 +22053,7 @@
       </p:pic>
       <p:pic>
         <p:nvPicPr>
-          <p:cNvPr id="288" name="Google Shape;288;gfce3403d9c_0_203"/>
+          <p:cNvPr id="287" name="Google Shape;287;gfce3403d9c_0_203"/>
           <p:cNvPicPr preferRelativeResize="0"/>
           <p:nvPr/>
         </p:nvPicPr>
@@ -22330,7 +22081,7 @@
       </p:pic>
       <p:sp>
         <p:nvSpPr>
-          <p:cNvPr id="289" name="Google Shape;289;gfce3403d9c_0_203"/>
+          <p:cNvPr id="288" name="Google Shape;288;gfce3403d9c_0_203"/>
           <p:cNvSpPr txBox="1"/>
           <p:nvPr/>
         </p:nvSpPr>
@@ -22380,7 +22131,7 @@
       </p:sp>
       <p:sp>
         <p:nvSpPr>
-          <p:cNvPr id="290" name="Google Shape;290;gfce3403d9c_0_203"/>
+          <p:cNvPr id="289" name="Google Shape;289;gfce3403d9c_0_203"/>
           <p:cNvSpPr/>
           <p:nvPr/>
         </p:nvSpPr>
@@ -22480,7 +22231,7 @@
                                           </p:stCondLst>
                                         </p:cTn>
                                         <p:tgtEl>
-                                          <p:spTgt spid="281"/>
+                                          <p:spTgt spid="280"/>
                                         </p:tgtEl>
                                         <p:attrNameLst>
                                           <p:attrName>style.visibility</p:attrName>
@@ -22494,7 +22245,60 @@
                                       <p:cBhvr>
                                         <p:cTn dur="1000"/>
                                         <p:tgtEl>
-                                          <p:spTgt spid="281"/>
+                                          <p:spTgt spid="280"/>
+                                        </p:tgtEl>
+                                      </p:cBhvr>
+                                    </p:animEffect>
+                                  </p:childTnLst>
+                                </p:cTn>
+                              </p:par>
+                            </p:childTnLst>
+                          </p:cTn>
+                        </p:par>
+                      </p:childTnLst>
+                    </p:cTn>
+                  </p:par>
+                  <p:par>
+                    <p:cTn fill="hold">
+                      <p:stCondLst>
+                        <p:cond delay="indefinite"/>
+                      </p:stCondLst>
+                      <p:childTnLst>
+                        <p:par>
+                          <p:cTn fill="hold">
+                            <p:stCondLst>
+                              <p:cond delay="0"/>
+                            </p:stCondLst>
+                            <p:childTnLst>
+                              <p:par>
+                                <p:cTn fill="hold" nodeType="clickEffect" presetClass="entr" presetID="10" presetSubtype="0">
+                                  <p:stCondLst>
+                                    <p:cond delay="0"/>
+                                  </p:stCondLst>
+                                  <p:childTnLst>
+                                    <p:set>
+                                      <p:cBhvr>
+                                        <p:cTn dur="1" fill="hold">
+                                          <p:stCondLst>
+                                            <p:cond delay="0"/>
+                                          </p:stCondLst>
+                                        </p:cTn>
+                                        <p:tgtEl>
+                                          <p:spTgt spid="284"/>
+                                        </p:tgtEl>
+                                        <p:attrNameLst>
+                                          <p:attrName>style.visibility</p:attrName>
+                                        </p:attrNameLst>
+                                      </p:cBhvr>
+                                      <p:to>
+                                        <p:strVal val="visible"/>
+                                      </p:to>
+                                    </p:set>
+                                    <p:animEffect filter="fade" transition="in">
+                                      <p:cBhvr>
+                                        <p:cTn dur="1000"/>
+                                        <p:tgtEl>
+                                          <p:spTgt spid="284"/>
                                         </p:tgtEl>
                                       </p:cBhvr>
                                     </p:animEffect>
@@ -22586,7 +22390,7 @@
                                           </p:stCondLst>
                                         </p:cTn>
                                         <p:tgtEl>
-                                          <p:spTgt spid="286"/>
+                                          <p:spTgt spid="277"/>
                                         </p:tgtEl>
                                         <p:attrNameLst>
                                           <p:attrName>style.visibility</p:attrName>
@@ -22600,7 +22404,60 @@
                                       <p:cBhvr>
                                         <p:cTn dur="1000"/>
                                         <p:tgtEl>
-                                          <p:spTgt spid="286"/>
+                                          <p:spTgt spid="277"/>
+                                        </p:tgtEl>
+                                      </p:cBhvr>
+                                    </p:animEffect>
+                                  </p:childTnLst>
+                                </p:cTn>
+                              </p:par>
+                            </p:childTnLst>
+                          </p:cTn>
+                        </p:par>
+                      </p:childTnLst>
+                    </p:cTn>
+                  </p:par>
+                  <p:par>
+                    <p:cTn fill="hold">
+                      <p:stCondLst>
+                        <p:cond delay="indefinite"/>
+                      </p:stCondLst>
+                      <p:childTnLst>
+                        <p:par>
+                          <p:cTn fill="hold">
+                            <p:stCondLst>
+                              <p:cond delay="0"/>
+                            </p:stCondLst>
+                            <p:childTnLst>
+                              <p:par>
+                                <p:cTn fill="hold" nodeType="clickEffect" presetClass="entr" presetID="10" presetSubtype="0">
+                                  <p:stCondLst>
+                                    <p:cond delay="0"/>
+                                  </p:stCondLst>
+                                  <p:childTnLst>
+                                    <p:set>
+                                      <p:cBhvr>
+                                        <p:cTn dur="1" fill="hold">
+                                          <p:stCondLst>
+                                            <p:cond delay="0"/>
+                                          </p:stCondLst>
+                                        </p:cTn>
+                                        <p:tgtEl>
+                                          <p:spTgt spid="281"/>
+                                        </p:tgtEl>
+                                        <p:attrNameLst>
+                                          <p:attrName>style.visibility</p:attrName>
+                                        </p:attrNameLst>
+                                      </p:cBhvr>
+                                      <p:to>
+                                        <p:strVal val="visible"/>
+                                      </p:to>
+                                    </p:set>
+                                    <p:animEffect filter="fade" transition="in">
+                                      <p:cBhvr>
+                                        <p:cTn dur="1000"/>
+                                        <p:tgtEl>
+                                          <p:spTgt spid="281"/>
                                         </p:tgtEl>
                                       </p:cBhvr>
                                     </p:animEffect>
@@ -22785,7 +22642,7 @@
                             </p:stCondLst>
                             <p:childTnLst>
                               <p:par>
-                                <p:cTn fill="hold" nodeType="clickEffect" presetClass="entr" presetID="10" presetSubtype="0">
+                                <p:cTn fill="hold" nodeType="clickEffect" presetClass="entr" presetID="1" presetSubtype="0">
                                   <p:stCondLst>
                                     <p:cond delay="0"/>
                                   </p:stCondLst>
@@ -22799,112 +22656,6 @@
                                         </p:cTn>
                                         <p:tgtEl>
                                           <p:spTgt spid="283"/>
-                                        </p:tgtEl>
-                                        <p:attrNameLst>
-                                          <p:attrName>style.visibility</p:attrName>
-                                        </p:attrNameLst>
-                                      </p:cBhvr>
-                                      <p:to>
-                                        <p:strVal val="visible"/>
-                                      </p:to>
-                                    </p:set>
-                                    <p:animEffect filter="fade" transition="in">
-                                      <p:cBhvr>
-                                        <p:cTn dur="1000"/>
-                                        <p:tgtEl>
-                                          <p:spTgt spid="283"/>
-                                        </p:tgtEl>
-                                      </p:cBhvr>
-                                    </p:animEffect>
-                                  </p:childTnLst>
-                                </p:cTn>
-                              </p:par>
-                            </p:childTnLst>
-                          </p:cTn>
-                        </p:par>
-                      </p:childTnLst>
-                    </p:cTn>
-                  </p:par>
-                  <p:par>
-                    <p:cTn fill="hold">
-                      <p:stCondLst>
-                        <p:cond delay="indefinite"/>
-                      </p:stCondLst>
-                      <p:childTnLst>
-                        <p:par>
-                          <p:cTn fill="hold">
-                            <p:stCondLst>
-                              <p:cond delay="0"/>
-                            </p:stCondLst>
-                            <p:childTnLst>
-                              <p:par>
-                                <p:cTn fill="hold" nodeType="clickEffect" presetClass="entr" presetID="10" presetSubtype="0">
-                                  <p:stCondLst>
-                                    <p:cond delay="0"/>
-                                  </p:stCondLst>
-                                  <p:childTnLst>
-                                    <p:set>
-                                      <p:cBhvr>
-                                        <p:cTn dur="1" fill="hold">
-                                          <p:stCondLst>
-                                            <p:cond delay="0"/>
-                                          </p:stCondLst>
-                                        </p:cTn>
-                                        <p:tgtEl>
-                                          <p:spTgt spid="280"/>
-                                        </p:tgtEl>
-                                        <p:attrNameLst>
-                                          <p:attrName>style.visibility</p:attrName>
-                                        </p:attrNameLst>
-                                      </p:cBhvr>
-                                      <p:to>
-                                        <p:strVal val="visible"/>
-                                      </p:to>
-                                    </p:set>
-                                    <p:animEffect filter="fade" transition="in">
-                                      <p:cBhvr>
-                                        <p:cTn dur="1000"/>
-                                        <p:tgtEl>
-                                          <p:spTgt spid="280"/>
-                                        </p:tgtEl>
-                                      </p:cBhvr>
-                                    </p:animEffect>
-                                  </p:childTnLst>
-                                </p:cTn>
-                              </p:par>
-                            </p:childTnLst>
-                          </p:cTn>
-                        </p:par>
-                      </p:childTnLst>
-                    </p:cTn>
-                  </p:par>
-                  <p:par>
-                    <p:cTn fill="hold">
-                      <p:stCondLst>
-                        <p:cond delay="indefinite"/>
-                      </p:stCondLst>
-                      <p:childTnLst>
-                        <p:par>
-                          <p:cTn fill="hold">
-                            <p:stCondLst>
-                              <p:cond delay="0"/>
-                            </p:stCondLst>
-                            <p:childTnLst>
-                              <p:par>
-                                <p:cTn fill="hold" nodeType="clickEffect" presetClass="entr" presetID="1" presetSubtype="0">
-                                  <p:stCondLst>
-                                    <p:cond delay="0"/>
-                                  </p:stCondLst>
-                                  <p:childTnLst>
-                                    <p:set>
-                                      <p:cBhvr>
-                                        <p:cTn dur="1" fill="hold">
-                                          <p:stCondLst>
-                                            <p:cond delay="0"/>
-                                          </p:stCondLst>
-                                        </p:cTn>
-                                        <p:tgtEl>
-                                          <p:spTgt spid="284"/>
                                         </p:tgtEl>
                                         <p:attrNameLst>
                                           <p:attrName>style.visibility</p:attrName>
@@ -22949,7 +22700,7 @@
                                           </p:stCondLst>
                                         </p:cTn>
                                         <p:tgtEl>
-                                          <p:spTgt spid="287"/>
+                                          <p:spTgt spid="286"/>
                                         </p:tgtEl>
                                         <p:attrNameLst>
                                           <p:attrName>style.visibility</p:attrName>
@@ -22963,7 +22714,7 @@
                                       <p:cBhvr>
                                         <p:cTn dur="1000"/>
                                         <p:tgtEl>
-                                          <p:spTgt spid="287"/>
+                                          <p:spTgt spid="286"/>
                                         </p:tgtEl>
                                       </p:cBhvr>
                                     </p:animEffect>
@@ -22984,7 +22735,7 @@
                                           </p:stCondLst>
                                         </p:cTn>
                                         <p:tgtEl>
-                                          <p:spTgt spid="288"/>
+                                          <p:spTgt spid="287"/>
                                         </p:tgtEl>
                                         <p:attrNameLst>
                                           <p:attrName>style.visibility</p:attrName>
@@ -23040,7 +22791,7 @@
     </p:bg>
     <p:spTree>
       <p:nvGrpSpPr>
-        <p:cNvPr id="294" name="Shape 294"/>
+        <p:cNvPr id="293" name="Shape 293"/>
         <p:cNvGrpSpPr/>
         <p:nvPr/>
       </p:nvGrpSpPr>
@@ -23054,7 +22805,7 @@
       </p:grpSpPr>
       <p:sp>
         <p:nvSpPr>
-          <p:cNvPr id="295" name="Google Shape;295;gfce3403d9c_0_1"/>
+          <p:cNvPr id="294" name="Google Shape;294;gfce3403d9c_0_1"/>
           <p:cNvSpPr txBox="1"/>
           <p:nvPr/>
         </p:nvSpPr>
@@ -23104,7 +22855,7 @@
       </p:sp>
       <p:pic>
         <p:nvPicPr>
-          <p:cNvPr id="296" name="Google Shape;296;gfce3403d9c_0_1"/>
+          <p:cNvPr id="295" name="Google Shape;295;gfce3403d9c_0_1"/>
           <p:cNvPicPr preferRelativeResize="0"/>
           <p:nvPr/>
         </p:nvPicPr>
@@ -23132,7 +22883,7 @@
       </p:pic>
       <p:pic>
         <p:nvPicPr>
-          <p:cNvPr id="297" name="Google Shape;297;gfce3403d9c_0_1"/>
+          <p:cNvPr id="296" name="Google Shape;296;gfce3403d9c_0_1"/>
           <p:cNvPicPr preferRelativeResize="0"/>
           <p:nvPr/>
         </p:nvPicPr>
@@ -23160,7 +22911,7 @@
       </p:pic>
       <p:pic>
         <p:nvPicPr>
-          <p:cNvPr id="298" name="Google Shape;298;gfce3403d9c_0_1"/>
+          <p:cNvPr id="297" name="Google Shape;297;gfce3403d9c_0_1"/>
           <p:cNvPicPr preferRelativeResize="0"/>
           <p:nvPr/>
         </p:nvPicPr>
@@ -23188,7 +22939,7 @@
       </p:pic>
       <p:pic>
         <p:nvPicPr>
-          <p:cNvPr id="299" name="Google Shape;299;gfce3403d9c_0_1"/>
+          <p:cNvPr id="298" name="Google Shape;298;gfce3403d9c_0_1"/>
           <p:cNvPicPr preferRelativeResize="0"/>
           <p:nvPr/>
         </p:nvPicPr>
@@ -23216,7 +22967,7 @@
       </p:pic>
       <p:pic>
         <p:nvPicPr>
-          <p:cNvPr id="300" name="Google Shape;300;gfce3403d9c_0_1"/>
+          <p:cNvPr id="299" name="Google Shape;299;gfce3403d9c_0_1"/>
           <p:cNvPicPr preferRelativeResize="0"/>
           <p:nvPr/>
         </p:nvPicPr>
@@ -23244,7 +22995,7 @@
       </p:pic>
       <p:pic>
         <p:nvPicPr>
-          <p:cNvPr id="301" name="Google Shape;301;gfce3403d9c_0_1"/>
+          <p:cNvPr id="300" name="Google Shape;300;gfce3403d9c_0_1"/>
           <p:cNvPicPr preferRelativeResize="0"/>
           <p:nvPr/>
         </p:nvPicPr>
@@ -23272,7 +23023,7 @@
       </p:pic>
       <p:pic>
         <p:nvPicPr>
-          <p:cNvPr id="302" name="Google Shape;302;gfce3403d9c_0_1"/>
+          <p:cNvPr id="301" name="Google Shape;301;gfce3403d9c_0_1"/>
           <p:cNvPicPr preferRelativeResize="0"/>
           <p:nvPr/>
         </p:nvPicPr>
@@ -23300,7 +23051,7 @@
       </p:pic>
       <p:pic>
         <p:nvPicPr>
-          <p:cNvPr id="303" name="Google Shape;303;gfce3403d9c_0_1"/>
+          <p:cNvPr id="302" name="Google Shape;302;gfce3403d9c_0_1"/>
           <p:cNvPicPr preferRelativeResize="0"/>
           <p:nvPr/>
         </p:nvPicPr>
@@ -23328,7 +23079,7 @@
       </p:pic>
       <p:pic>
         <p:nvPicPr>
-          <p:cNvPr id="304" name="Google Shape;304;gfce3403d9c_0_1"/>
+          <p:cNvPr id="303" name="Google Shape;303;gfce3403d9c_0_1"/>
           <p:cNvPicPr preferRelativeResize="0"/>
           <p:nvPr/>
         </p:nvPicPr>
@@ -23356,7 +23107,7 @@
       </p:pic>
       <p:pic>
         <p:nvPicPr>
-          <p:cNvPr id="305" name="Google Shape;305;gfce3403d9c_0_1"/>
+          <p:cNvPr id="304" name="Google Shape;304;gfce3403d9c_0_1"/>
           <p:cNvPicPr preferRelativeResize="0"/>
           <p:nvPr/>
         </p:nvPicPr>
@@ -23384,7 +23135,7 @@
       </p:pic>
       <p:pic>
         <p:nvPicPr>
-          <p:cNvPr id="306" name="Google Shape;306;gfce3403d9c_0_1"/>
+          <p:cNvPr id="305" name="Google Shape;305;gfce3403d9c_0_1"/>
           <p:cNvPicPr preferRelativeResize="0"/>
           <p:nvPr/>
         </p:nvPicPr>
@@ -23412,7 +23163,7 @@
       </p:pic>
       <p:pic>
         <p:nvPicPr>
-          <p:cNvPr id="307" name="Google Shape;307;gfce3403d9c_0_1"/>
+          <p:cNvPr id="306" name="Google Shape;306;gfce3403d9c_0_1"/>
           <p:cNvPicPr preferRelativeResize="0"/>
           <p:nvPr/>
         </p:nvPicPr>
@@ -23440,7 +23191,7 @@
       </p:pic>
       <p:pic>
         <p:nvPicPr>
-          <p:cNvPr id="308" name="Google Shape;308;gfce3403d9c_0_1"/>
+          <p:cNvPr id="307" name="Google Shape;307;gfce3403d9c_0_1"/>
           <p:cNvPicPr preferRelativeResize="0"/>
           <p:nvPr/>
         </p:nvPicPr>
@@ -23468,7 +23219,7 @@
       </p:pic>
       <p:pic>
         <p:nvPicPr>
-          <p:cNvPr id="309" name="Google Shape;309;gfce3403d9c_0_1"/>
+          <p:cNvPr id="308" name="Google Shape;308;gfce3403d9c_0_1"/>
           <p:cNvPicPr preferRelativeResize="0"/>
           <p:nvPr/>
         </p:nvPicPr>
@@ -23496,7 +23247,7 @@
       </p:pic>
       <p:pic>
         <p:nvPicPr>
-          <p:cNvPr id="310" name="Google Shape;310;gfce3403d9c_0_1"/>
+          <p:cNvPr id="309" name="Google Shape;309;gfce3403d9c_0_1"/>
           <p:cNvPicPr preferRelativeResize="0"/>
           <p:nvPr/>
         </p:nvPicPr>
@@ -23524,7 +23275,7 @@
       </p:pic>
       <p:pic>
         <p:nvPicPr>
-          <p:cNvPr id="311" name="Google Shape;311;gfce3403d9c_0_1"/>
+          <p:cNvPr id="310" name="Google Shape;310;gfce3403d9c_0_1"/>
           <p:cNvPicPr preferRelativeResize="0"/>
           <p:nvPr/>
         </p:nvPicPr>
@@ -23552,7 +23303,7 @@
       </p:pic>
       <p:pic>
         <p:nvPicPr>
-          <p:cNvPr id="312" name="Google Shape;312;gfce3403d9c_0_1"/>
+          <p:cNvPr id="311" name="Google Shape;311;gfce3403d9c_0_1"/>
           <p:cNvPicPr preferRelativeResize="0"/>
           <p:nvPr/>
         </p:nvPicPr>
@@ -23580,7 +23331,7 @@
       </p:pic>
       <p:pic>
         <p:nvPicPr>
-          <p:cNvPr id="313" name="Google Shape;313;gfce3403d9c_0_1"/>
+          <p:cNvPr id="312" name="Google Shape;312;gfce3403d9c_0_1"/>
           <p:cNvPicPr preferRelativeResize="0"/>
           <p:nvPr/>
         </p:nvPicPr>
@@ -23608,7 +23359,7 @@
       </p:pic>
       <p:sp>
         <p:nvSpPr>
-          <p:cNvPr id="314" name="Google Shape;314;gfce3403d9c_0_1"/>
+          <p:cNvPr id="313" name="Google Shape;313;gfce3403d9c_0_1"/>
           <p:cNvSpPr/>
           <p:nvPr/>
         </p:nvSpPr>
@@ -23655,7 +23406,7 @@
       </p:sp>
       <p:sp>
         <p:nvSpPr>
-          <p:cNvPr id="315" name="Google Shape;315;gfce3403d9c_0_1"/>
+          <p:cNvPr id="314" name="Google Shape;314;gfce3403d9c_0_1"/>
           <p:cNvSpPr/>
           <p:nvPr/>
         </p:nvSpPr>
@@ -23743,6 +23494,78 @@
                             <p:childTnLst>
                               <p:par>
                                 <p:cTn fill="hold" nodeType="clickEffect" presetClass="entr" presetID="1" presetSubtype="0">
+                                  <p:stCondLst>
+                                    <p:cond delay="0"/>
+                                  </p:stCondLst>
+                                  <p:childTnLst>
+                                    <p:set>
+                                      <p:cBhvr>
+                                        <p:cTn dur="1" fill="hold">
+                                          <p:stCondLst>
+                                            <p:cond delay="0"/>
+                                          </p:stCondLst>
+                                        </p:cTn>
+                                        <p:tgtEl>
+                                          <p:spTgt spid="302"/>
+                                        </p:tgtEl>
+                                        <p:attrNameLst>
+                                          <p:attrName>style.visibility</p:attrName>
+                                        </p:attrNameLst>
+                                      </p:cBhvr>
+                                      <p:to>
+                                        <p:strVal val="visible"/>
+                                      </p:to>
+                                    </p:set>
+                                  </p:childTnLst>
+                                </p:cTn>
+                              </p:par>
+                            </p:childTnLst>
+                          </p:cTn>
+                        </p:par>
+                      </p:childTnLst>
+                    </p:cTn>
+                  </p:par>
+                  <p:par>
+                    <p:cTn fill="hold">
+                      <p:stCondLst>
+                        <p:cond delay="indefinite"/>
+                      </p:stCondLst>
+                      <p:childTnLst>
+                        <p:par>
+                          <p:cTn fill="hold">
+                            <p:stCondLst>
+                              <p:cond delay="0"/>
+                            </p:stCondLst>
+                            <p:childTnLst>
+                              <p:par>
+                                <p:cTn fill="hold" nodeType="clickEffect" presetClass="entr" presetID="1" presetSubtype="0">
+                                  <p:stCondLst>
+                                    <p:cond delay="0"/>
+                                  </p:stCondLst>
+                                  <p:childTnLst>
+                                    <p:set>
+                                      <p:cBhvr>
+                                        <p:cTn dur="1" fill="hold">
+                                          <p:stCondLst>
+                                            <p:cond delay="0"/>
+                                          </p:stCondLst>
+                                        </p:cTn>
+                                        <p:tgtEl>
+                                          <p:spTgt spid="295"/>
+                                        </p:tgtEl>
+                                        <p:attrNameLst>
+                                          <p:attrName>style.visibility</p:attrName>
+                                        </p:attrNameLst>
+                                      </p:cBhvr>
+                                      <p:to>
+                                        <p:strVal val="visible"/>
+                                      </p:to>
+                                    </p:set>
+                                  </p:childTnLst>
+                                </p:cTn>
+                              </p:par>
+                              <p:par>
+                                <p:cTn fill="hold" nodeType="withEffect" presetClass="entr" presetID="1" presetSubtype="0">
                                   <p:stCondLst>
                                     <p:cond delay="0"/>
                                   </p:stCondLst>
@@ -24115,7 +23938,7 @@
                                           </p:stCondLst>
                                         </p:cTn>
                                         <p:tgtEl>
-                                          <p:spTgt spid="308"/>
+                                          <p:spTgt spid="309"/>
                                         </p:tgtEl>
                                         <p:attrNameLst>
                                           <p:attrName>style.visibility</p:attrName>
@@ -24232,7 +24055,7 @@
                                           </p:stCondLst>
                                         </p:cTn>
                                         <p:tgtEl>
-                                          <p:spTgt spid="302"/>
+                                          <p:spTgt spid="308"/>
                                         </p:tgtEl>
                                         <p:attrNameLst>
                                           <p:attrName>style.visibility</p:attrName>
@@ -24260,78 +24083,6 @@
                                         </p:cTn>
                                         <p:tgtEl>
                                           <p:spTgt spid="311"/>
-                                        </p:tgtEl>
-                                        <p:attrNameLst>
-                                          <p:attrName>style.visibility</p:attrName>
-                                        </p:attrNameLst>
-                                      </p:cBhvr>
-                                      <p:to>
-                                        <p:strVal val="visible"/>
-                                      </p:to>
-                                    </p:set>
-                                  </p:childTnLst>
-                                </p:cTn>
-                              </p:par>
-                            </p:childTnLst>
-                          </p:cTn>
-                        </p:par>
-                      </p:childTnLst>
-                    </p:cTn>
-                  </p:par>
-                  <p:par>
-                    <p:cTn fill="hold">
-                      <p:stCondLst>
-                        <p:cond delay="indefinite"/>
-                      </p:stCondLst>
-                      <p:childTnLst>
-                        <p:par>
-                          <p:cTn fill="hold">
-                            <p:stCondLst>
-                              <p:cond delay="0"/>
-                            </p:stCondLst>
-                            <p:childTnLst>
-                              <p:par>
-                                <p:cTn fill="hold" nodeType="clickEffect" presetClass="entr" presetID="1" presetSubtype="0">
-                                  <p:stCondLst>
-                                    <p:cond delay="0"/>
-                                  </p:stCondLst>
-                                  <p:childTnLst>
-                                    <p:set>
-                                      <p:cBhvr>
-                                        <p:cTn dur="1" fill="hold">
-                                          <p:stCondLst>
-                                            <p:cond delay="0"/>
-                                          </p:stCondLst>
-                                        </p:cTn>
-                                        <p:tgtEl>
-                                          <p:spTgt spid="309"/>
-                                        </p:tgtEl>
-                                        <p:attrNameLst>
-                                          <p:attrName>style.visibility</p:attrName>
-                                        </p:attrNameLst>
-                                      </p:cBhvr>
-                                      <p:to>
-                                        <p:strVal val="visible"/>
-                                      </p:to>
-                                    </p:set>
-                                  </p:childTnLst>
-                                </p:cTn>
-                              </p:par>
-                              <p:par>
-                                <p:cTn fill="hold" nodeType="withEffect" presetClass="entr" presetID="1" presetSubtype="0">
-                                  <p:stCondLst>
-                                    <p:cond delay="0"/>
-                                  </p:stCondLst>
-                                  <p:childTnLst>
-                                    <p:set>
-                                      <p:cBhvr>
-                                        <p:cTn dur="1" fill="hold">
-                                          <p:stCondLst>
-                                            <p:cond delay="0"/>
-                                          </p:stCondLst>
-                                        </p:cTn>
-                                        <p:tgtEl>
-                                          <p:spTgt spid="312"/>
                                         </p:tgtEl>
                                         <p:attrNameLst>
                                           <p:attrName>style.visibility</p:attrName>
@@ -24387,7 +24138,7 @@
     </p:bg>
     <p:spTree>
       <p:nvGrpSpPr>
-        <p:cNvPr id="319" name="Shape 319"/>
+        <p:cNvPr id="318" name="Shape 318"/>
         <p:cNvGrpSpPr/>
         <p:nvPr/>
       </p:nvGrpSpPr>
@@ -24401,7 +24152,7 @@
       </p:grpSpPr>
       <p:sp>
         <p:nvSpPr>
-          <p:cNvPr id="320" name="Google Shape;320;gfcbe7d1a3c_0_84"/>
+          <p:cNvPr id="319" name="Google Shape;319;gfcbe7d1a3c_0_84"/>
           <p:cNvSpPr txBox="1"/>
           <p:nvPr/>
         </p:nvSpPr>
@@ -24497,7 +24248,7 @@
       </p:sp>
       <p:sp>
         <p:nvSpPr>
-          <p:cNvPr id="321" name="Google Shape;321;gfcbe7d1a3c_0_84"/>
+          <p:cNvPr id="320" name="Google Shape;320;gfcbe7d1a3c_0_84"/>
           <p:cNvSpPr txBox="1"/>
           <p:nvPr/>
         </p:nvSpPr>
@@ -24551,7 +24302,7 @@
       </p:sp>
       <p:sp>
         <p:nvSpPr>
-          <p:cNvPr id="322" name="Google Shape;322;gfcbe7d1a3c_0_84"/>
+          <p:cNvPr id="321" name="Google Shape;321;gfcbe7d1a3c_0_84"/>
           <p:cNvSpPr txBox="1"/>
           <p:nvPr/>
         </p:nvSpPr>
@@ -24605,7 +24356,7 @@
       </p:sp>
       <p:sp>
         <p:nvSpPr>
-          <p:cNvPr id="323" name="Google Shape;323;gfcbe7d1a3c_0_84"/>
+          <p:cNvPr id="322" name="Google Shape;322;gfcbe7d1a3c_0_84"/>
           <p:cNvSpPr txBox="1"/>
           <p:nvPr/>
         </p:nvSpPr>
@@ -24655,7 +24406,7 @@
       </p:sp>
       <p:sp>
         <p:nvSpPr>
-          <p:cNvPr id="324" name="Google Shape;324;gfcbe7d1a3c_0_84"/>
+          <p:cNvPr id="323" name="Google Shape;323;gfcbe7d1a3c_0_84"/>
           <p:cNvSpPr/>
           <p:nvPr/>
         </p:nvSpPr>
@@ -24729,6 +24480,59 @@
             <p:seq concurrent="1" nextAc="seek">
               <p:cTn dur="indefinite" id="2" nodeType="mainSeq">
                 <p:childTnLst>
+                  <p:par>
+                    <p:cTn fill="hold">
+                      <p:stCondLst>
+                        <p:cond delay="indefinite"/>
+                      </p:stCondLst>
+                      <p:childTnLst>
+                        <p:par>
+                          <p:cTn fill="hold">
+                            <p:stCondLst>
+                              <p:cond delay="0"/>
+                            </p:stCondLst>
+                            <p:childTnLst>
+                              <p:par>
+                                <p:cTn fill="hold" nodeType="clickEffect" presetClass="entr" presetID="10" presetSubtype="0">
+                                  <p:stCondLst>
+                                    <p:cond delay="0"/>
+                                  </p:stCondLst>
+                                  <p:childTnLst>
+                                    <p:set>
+                                      <p:cBhvr>
+                                        <p:cTn dur="1" fill="hold">
+                                          <p:stCondLst>
+                                            <p:cond delay="0"/>
+                                          </p:stCondLst>
+                                        </p:cTn>
+                                        <p:tgtEl>
+                                          <p:spTgt spid="320"/>
+                                        </p:tgtEl>
+                                        <p:attrNameLst>
+                                          <p:attrName>style.visibility</p:attrName>
+                                        </p:attrNameLst>
+                                      </p:cBhvr>
+                                      <p:to>
+                                        <p:strVal val="visible"/>
+                                      </p:to>
+                                    </p:set>
+                                    <p:animEffect filter="fade" transition="in">
+                                      <p:cBhvr>
+                                        <p:cTn dur="1000"/>
+                                        <p:tgtEl>
+                                          <p:spTgt spid="320"/>
+                                        </p:tgtEl>
+                                      </p:cBhvr>
+                                    </p:animEffect>
+                                  </p:childTnLst>
+                                </p:cTn>
+                              </p:par>
+                            </p:childTnLst>
+                          </p:cTn>
+                        </p:par>
+                      </p:childTnLst>
+                    </p:cTn>
+                  </p:par>
                   <p:par>
                     <p:cTn fill="hold">
                       <p:stCondLst>
@@ -24835,59 +24639,6 @@
                       </p:childTnLst>
                     </p:cTn>
                   </p:par>
-                  <p:par>
-                    <p:cTn fill="hold">
-                      <p:stCondLst>
-                        <p:cond delay="indefinite"/>
-                      </p:stCondLst>
-                      <p:childTnLst>
-                        <p:par>
-                          <p:cTn fill="hold">
-                            <p:stCondLst>
-                              <p:cond delay="0"/>
-                            </p:stCondLst>
-                            <p:childTnLst>
-                              <p:par>
-                                <p:cTn fill="hold" nodeType="clickEffect" presetClass="entr" presetID="10" presetSubtype="0">
-                                  <p:stCondLst>
-                                    <p:cond delay="0"/>
-                                  </p:stCondLst>
-                                  <p:childTnLst>
-                                    <p:set>
-                                      <p:cBhvr>
-                                        <p:cTn dur="1" fill="hold">
-                                          <p:stCondLst>
-                                            <p:cond delay="0"/>
-                                          </p:stCondLst>
-                                        </p:cTn>
-                                        <p:tgtEl>
-                                          <p:spTgt spid="323"/>
-                                        </p:tgtEl>
-                                        <p:attrNameLst>
-                                          <p:attrName>style.visibility</p:attrName>
-                                        </p:attrNameLst>
-                                      </p:cBhvr>
-                                      <p:to>
-                                        <p:strVal val="visible"/>
-                                      </p:to>
-                                    </p:set>
-                                    <p:animEffect filter="fade" transition="in">
-                                      <p:cBhvr>
-                                        <p:cTn dur="1000"/>
-                                        <p:tgtEl>
-                                          <p:spTgt spid="323"/>
-                                        </p:tgtEl>
-                                      </p:cBhvr>
-                                    </p:animEffect>
-                                  </p:childTnLst>
-                                </p:cTn>
-                              </p:par>
-                            </p:childTnLst>
-                          </p:cTn>
-                        </p:par>
-                      </p:childTnLst>
-                    </p:cTn>
-                  </p:par>
                 </p:childTnLst>
               </p:cTn>
               <p:prevCondLst>
@@ -24925,7 +24676,7 @@
     </p:bg>
     <p:spTree>
       <p:nvGrpSpPr>
-        <p:cNvPr id="328" name="Shape 328"/>
+        <p:cNvPr id="327" name="Shape 327"/>
         <p:cNvGrpSpPr/>
         <p:nvPr/>
       </p:nvGrpSpPr>
@@ -24939,7 +24690,7 @@
       </p:grpSpPr>
       <p:sp>
         <p:nvSpPr>
-          <p:cNvPr id="329" name="Google Shape;329;gfcfe1b95d1_0_0"/>
+          <p:cNvPr id="328" name="Google Shape;328;gfcfe1b95d1_0_0"/>
           <p:cNvSpPr txBox="1"/>
           <p:nvPr/>
         </p:nvSpPr>
@@ -24989,7 +24740,7 @@
       </p:sp>
       <p:pic>
         <p:nvPicPr>
-          <p:cNvPr id="330" name="Google Shape;330;gfcfe1b95d1_0_0"/>
+          <p:cNvPr id="329" name="Google Shape;329;gfcfe1b95d1_0_0"/>
           <p:cNvPicPr preferRelativeResize="0"/>
           <p:nvPr/>
         </p:nvPicPr>
@@ -25017,7 +24768,7 @@
       </p:pic>
       <p:pic>
         <p:nvPicPr>
-          <p:cNvPr id="331" name="Google Shape;331;gfcfe1b95d1_0_0"/>
+          <p:cNvPr id="330" name="Google Shape;330;gfcfe1b95d1_0_0"/>
           <p:cNvPicPr preferRelativeResize="0"/>
           <p:nvPr/>
         </p:nvPicPr>
@@ -25045,7 +24796,7 @@
       </p:pic>
       <p:pic>
         <p:nvPicPr>
-          <p:cNvPr id="332" name="Google Shape;332;gfcfe1b95d1_0_0"/>
+          <p:cNvPr id="331" name="Google Shape;331;gfcfe1b95d1_0_0"/>
           <p:cNvPicPr preferRelativeResize="0"/>
           <p:nvPr/>
         </p:nvPicPr>
@@ -25073,7 +24824,7 @@
       </p:pic>
       <p:pic>
         <p:nvPicPr>
-          <p:cNvPr id="333" name="Google Shape;333;gfcfe1b95d1_0_0"/>
+          <p:cNvPr id="332" name="Google Shape;332;gfcfe1b95d1_0_0"/>
           <p:cNvPicPr preferRelativeResize="0"/>
           <p:nvPr/>
         </p:nvPicPr>
@@ -25101,7 +24852,7 @@
       </p:pic>
       <p:pic>
         <p:nvPicPr>
-          <p:cNvPr id="334" name="Google Shape;334;gfcfe1b95d1_0_0"/>
+          <p:cNvPr id="333" name="Google Shape;333;gfcfe1b95d1_0_0"/>
           <p:cNvPicPr preferRelativeResize="0"/>
           <p:nvPr/>
         </p:nvPicPr>
@@ -25129,7 +24880,7 @@
       </p:pic>
       <p:pic>
         <p:nvPicPr>
-          <p:cNvPr id="335" name="Google Shape;335;gfcfe1b95d1_0_0"/>
+          <p:cNvPr id="334" name="Google Shape;334;gfcfe1b95d1_0_0"/>
           <p:cNvPicPr preferRelativeResize="0"/>
           <p:nvPr/>
         </p:nvPicPr>
@@ -25157,7 +24908,7 @@
       </p:pic>
       <p:pic>
         <p:nvPicPr>
-          <p:cNvPr id="336" name="Google Shape;336;gfcfe1b95d1_0_0"/>
+          <p:cNvPr id="335" name="Google Shape;335;gfcfe1b95d1_0_0"/>
           <p:cNvPicPr preferRelativeResize="0"/>
           <p:nvPr/>
         </p:nvPicPr>
@@ -25185,7 +24936,7 @@
       </p:pic>
       <p:pic>
         <p:nvPicPr>
-          <p:cNvPr id="337" name="Google Shape;337;gfcfe1b95d1_0_0"/>
+          <p:cNvPr id="336" name="Google Shape;336;gfcfe1b95d1_0_0"/>
           <p:cNvPicPr preferRelativeResize="0"/>
           <p:nvPr/>
         </p:nvPicPr>
@@ -25213,7 +24964,7 @@
       </p:pic>
       <p:pic>
         <p:nvPicPr>
-          <p:cNvPr id="338" name="Google Shape;338;gfcfe1b95d1_0_0"/>
+          <p:cNvPr id="337" name="Google Shape;337;gfcfe1b95d1_0_0"/>
           <p:cNvPicPr preferRelativeResize="0"/>
           <p:nvPr/>
         </p:nvPicPr>
@@ -25241,7 +24992,7 @@
       </p:pic>
       <p:sp>
         <p:nvSpPr>
-          <p:cNvPr id="339" name="Google Shape;339;gfcfe1b95d1_0_0"/>
+          <p:cNvPr id="338" name="Google Shape;338;gfcfe1b95d1_0_0"/>
           <p:cNvSpPr/>
           <p:nvPr/>
         </p:nvSpPr>
@@ -25341,7 +25092,7 @@
                                           </p:stCondLst>
                                         </p:cTn>
                                         <p:tgtEl>
-                                          <p:spTgt spid="338"/>
+                                          <p:spTgt spid="337"/>
                                         </p:tgtEl>
                                         <p:attrNameLst>
                                           <p:attrName>style.visibility</p:attrName>
@@ -25355,7 +25106,7 @@
                                       <p:cBhvr>
                                         <p:cTn dur="1000"/>
                                         <p:tgtEl>
-                                          <p:spTgt spid="338"/>
+                                          <p:spTgt spid="337"/>
                                         </p:tgtEl>
                                       </p:cBhvr>
                                     </p:animEffect>
@@ -25394,7 +25145,7 @@
                                           </p:stCondLst>
                                         </p:cTn>
                                         <p:tgtEl>
-                                          <p:spTgt spid="337"/>
+                                          <p:spTgt spid="336"/>
                                         </p:tgtEl>
                                         <p:attrNameLst>
                                           <p:attrName>style.visibility</p:attrName>
@@ -25408,7 +25159,113 @@
                                       <p:cBhvr>
                                         <p:cTn dur="1000"/>
                                         <p:tgtEl>
-                                          <p:spTgt spid="337"/>
+                                          <p:spTgt spid="336"/>
+                                        </p:tgtEl>
+                                      </p:cBhvr>
+                                    </p:animEffect>
+                                  </p:childTnLst>
+                                </p:cTn>
+                              </p:par>
+                            </p:childTnLst>
+                          </p:cTn>
+                        </p:par>
+                      </p:childTnLst>
+                    </p:cTn>
+                  </p:par>
+                  <p:par>
+                    <p:cTn fill="hold">
+                      <p:stCondLst>
+                        <p:cond delay="indefinite"/>
+                      </p:stCondLst>
+                      <p:childTnLst>
+                        <p:par>
+                          <p:cTn fill="hold">
+                            <p:stCondLst>
+                              <p:cond delay="0"/>
+                            </p:stCondLst>
+                            <p:childTnLst>
+                              <p:par>
+                                <p:cTn fill="hold" nodeType="clickEffect" presetClass="entr" presetID="10" presetSubtype="0">
+                                  <p:stCondLst>
+                                    <p:cond delay="0"/>
+                                  </p:stCondLst>
+                                  <p:childTnLst>
+                                    <p:set>
+                                      <p:cBhvr>
+                                        <p:cTn dur="1" fill="hold">
+                                          <p:stCondLst>
+                                            <p:cond delay="0"/>
+                                          </p:stCondLst>
+                                        </p:cTn>
+                                        <p:tgtEl>
+                                          <p:spTgt spid="331"/>
+                                        </p:tgtEl>
+                                        <p:attrNameLst>
+                                          <p:attrName>style.visibility</p:attrName>
+                                        </p:attrNameLst>
+                                      </p:cBhvr>
+                                      <p:to>
+                                        <p:strVal val="visible"/>
+                                      </p:to>
+                                    </p:set>
+                                    <p:animEffect filter="fade" transition="in">
+                                      <p:cBhvr>
+                                        <p:cTn dur="1000"/>
+                                        <p:tgtEl>
+                                          <p:spTgt spid="331"/>
+                                        </p:tgtEl>
+                                      </p:cBhvr>
+                                    </p:animEffect>
+                                  </p:childTnLst>
+                                </p:cTn>
+                              </p:par>
+                            </p:childTnLst>
+                          </p:cTn>
+                        </p:par>
+                      </p:childTnLst>
+                    </p:cTn>
+                  </p:par>
+                  <p:par>
+                    <p:cTn fill="hold">
+                      <p:stCondLst>
+                        <p:cond delay="indefinite"/>
+                      </p:stCondLst>
+                      <p:childTnLst>
+                        <p:par>
+                          <p:cTn fill="hold">
+                            <p:stCondLst>
+                              <p:cond delay="0"/>
+                            </p:stCondLst>
+                            <p:childTnLst>
+                              <p:par>
+                                <p:cTn fill="hold" nodeType="clickEffect" presetClass="entr" presetID="10" presetSubtype="0">
+                                  <p:stCondLst>
+                                    <p:cond delay="0"/>
+                                  </p:stCondLst>
+                                  <p:childTnLst>
+                                    <p:set>
+                                      <p:cBhvr>
+                                        <p:cTn dur="1" fill="hold">
+                                          <p:stCondLst>
+                                            <p:cond delay="0"/>
+                                          </p:stCondLst>
+                                        </p:cTn>
+                                        <p:tgtEl>
+                                          <p:spTgt spid="330"/>
+                                        </p:tgtEl>
+                                        <p:attrNameLst>
+                                          <p:attrName>style.visibility</p:attrName>
+                                        </p:attrNameLst>
+                                      </p:cBhvr>
+                                      <p:to>
+                                        <p:strVal val="visible"/>
+                                      </p:to>
+                                    </p:set>
+                                    <p:animEffect filter="fade" transition="in">
+                                      <p:cBhvr>
+                                        <p:cTn dur="1000"/>
+                                        <p:tgtEl>
+                                          <p:spTgt spid="330"/>
                                         </p:tgtEl>
                                       </p:cBhvr>
                                     </p:animEffect>
@@ -25500,7 +25357,7 @@
                                           </p:stCondLst>
                                         </p:cTn>
                                         <p:tgtEl>
-                                          <p:spTgt spid="331"/>
+                                          <p:spTgt spid="335"/>
                                         </p:tgtEl>
                                         <p:attrNameLst>
                                           <p:attrName>style.visibility</p:attrName>
@@ -25514,7 +25371,60 @@
                                       <p:cBhvr>
                                         <p:cTn dur="1000"/>
                                         <p:tgtEl>
-                                          <p:spTgt spid="331"/>
+                                          <p:spTgt spid="335"/>
+                                        </p:tgtEl>
+                                      </p:cBhvr>
+                                    </p:animEffect>
+                                  </p:childTnLst>
+                                </p:cTn>
+                              </p:par>
+                            </p:childTnLst>
+                          </p:cTn>
+                        </p:par>
+                      </p:childTnLst>
+                    </p:cTn>
+                  </p:par>
+                  <p:par>
+                    <p:cTn fill="hold">
+                      <p:stCondLst>
+                        <p:cond delay="indefinite"/>
+                      </p:stCondLst>
+                      <p:childTnLst>
+                        <p:par>
+                          <p:cTn fill="hold">
+                            <p:stCondLst>
+                              <p:cond delay="0"/>
+                            </p:stCondLst>
+                            <p:childTnLst>
+                              <p:par>
+                                <p:cTn fill="hold" nodeType="clickEffect" presetClass="entr" presetID="10" presetSubtype="0">
+                                  <p:stCondLst>
+                                    <p:cond delay="0"/>
+                                  </p:stCondLst>
+                                  <p:childTnLst>
+                                    <p:set>
+                                      <p:cBhvr>
+                                        <p:cTn dur="1" fill="hold">
+                                          <p:stCondLst>
+                                            <p:cond delay="0"/>
+                                          </p:stCondLst>
+                                        </p:cTn>
+                                        <p:tgtEl>
+                                          <p:spTgt spid="329"/>
+                                        </p:tgtEl>
+                                        <p:attrNameLst>
+                                          <p:attrName>style.visibility</p:attrName>
+                                        </p:attrNameLst>
+                                      </p:cBhvr>
+                                      <p:to>
+                                        <p:strVal val="visible"/>
+                                      </p:to>
+                                    </p:set>
+                                    <p:animEffect filter="fade" transition="in">
+                                      <p:cBhvr>
+                                        <p:cTn dur="1000"/>
+                                        <p:tgtEl>
+                                          <p:spTgt spid="329"/>
                                         </p:tgtEl>
                                       </p:cBhvr>
                                     </p:animEffect>
@@ -25606,112 +25516,6 @@
                                           </p:stCondLst>
                                         </p:cTn>
                                         <p:tgtEl>
-                                          <p:spTgt spid="336"/>
-                                        </p:tgtEl>
-                                        <p:attrNameLst>
-                                          <p:attrName>style.visibility</p:attrName>
-                                        </p:attrNameLst>
-                                      </p:cBhvr>
-                                      <p:to>
-                                        <p:strVal val="visible"/>
-                                      </p:to>
-                                    </p:set>
-                                    <p:animEffect filter="fade" transition="in">
-                                      <p:cBhvr>
-                                        <p:cTn dur="1000"/>
-                                        <p:tgtEl>
-                                          <p:spTgt spid="336"/>
-                                        </p:tgtEl>
-                                      </p:cBhvr>
-                                    </p:animEffect>
-                                  </p:childTnLst>
-                                </p:cTn>
-                              </p:par>
-                            </p:childTnLst>
-                          </p:cTn>
-                        </p:par>
-                      </p:childTnLst>
-                    </p:cTn>
-                  </p:par>
-                  <p:par>
-                    <p:cTn fill="hold">
-                      <p:stCondLst>
-                        <p:cond delay="indefinite"/>
-                      </p:stCondLst>
-                      <p:childTnLst>
-                        <p:par>
-                          <p:cTn fill="hold">
-                            <p:stCondLst>
-                              <p:cond delay="0"/>
-                            </p:stCondLst>
-                            <p:childTnLst>
-                              <p:par>
-                                <p:cTn fill="hold" nodeType="clickEffect" presetClass="entr" presetID="10" presetSubtype="0">
-                                  <p:stCondLst>
-                                    <p:cond delay="0"/>
-                                  </p:stCondLst>
-                                  <p:childTnLst>
-                                    <p:set>
-                                      <p:cBhvr>
-                                        <p:cTn dur="1" fill="hold">
-                                          <p:stCondLst>
-                                            <p:cond delay="0"/>
-                                          </p:stCondLst>
-                                        </p:cTn>
-                                        <p:tgtEl>
-                                          <p:spTgt spid="330"/>
-                                        </p:tgtEl>
-                                        <p:attrNameLst>
-                                          <p:attrName>style.visibility</p:attrName>
-                                        </p:attrNameLst>
-                                      </p:cBhvr>
-                                      <p:to>
-                                        <p:strVal val="visible"/>
-                                      </p:to>
-                                    </p:set>
-                                    <p:animEffect filter="fade" transition="in">
-                                      <p:cBhvr>
-                                        <p:cTn dur="1000"/>
-                                        <p:tgtEl>
-                                          <p:spTgt spid="330"/>
-                                        </p:tgtEl>
-                                      </p:cBhvr>
-                                    </p:animEffect>
-                                  </p:childTnLst>
-                                </p:cTn>
-                              </p:par>
-                            </p:childTnLst>
-                          </p:cTn>
-                        </p:par>
-                      </p:childTnLst>
-                    </p:cTn>
-                  </p:par>
-                  <p:par>
-                    <p:cTn fill="hold">
-                      <p:stCondLst>
-                        <p:cond delay="indefinite"/>
-                      </p:stCondLst>
-                      <p:childTnLst>
-                        <p:par>
-                          <p:cTn fill="hold">
-                            <p:stCondLst>
-                              <p:cond delay="0"/>
-                            </p:stCondLst>
-                            <p:childTnLst>
-                              <p:par>
-                                <p:cTn fill="hold" nodeType="clickEffect" presetClass="entr" presetID="10" presetSubtype="0">
-                                  <p:stCondLst>
-                                    <p:cond delay="0"/>
-                                  </p:stCondLst>
-                                  <p:childTnLst>
-                                    <p:set>
-                                      <p:cBhvr>
-                                        <p:cTn dur="1" fill="hold">
-                                          <p:stCondLst>
-                                            <p:cond delay="0"/>
-                                          </p:stCondLst>
-                                        </p:cTn>
-                                        <p:tgtEl>
                                           <p:spTgt spid="334"/>
                                         </p:tgtEl>
                                         <p:attrNameLst>
@@ -25727,59 +25531,6 @@
                                         <p:cTn dur="1000"/>
                                         <p:tgtEl>
                                           <p:spTgt spid="334"/>
-                                        </p:tgtEl>
-                                      </p:cBhvr>
-                                    </p:animEffect>
-                                  </p:childTnLst>
-                                </p:cTn>
-                              </p:par>
-                            </p:childTnLst>
-                          </p:cTn>
-                        </p:par>
-                      </p:childTnLst>
-                    </p:cTn>
-                  </p:par>
-                  <p:par>
-                    <p:cTn fill="hold">
-                      <p:stCondLst>
-                        <p:cond delay="indefinite"/>
-                      </p:stCondLst>
-                      <p:childTnLst>
-                        <p:par>
-                          <p:cTn fill="hold">
-                            <p:stCondLst>
-                              <p:cond delay="0"/>
-                            </p:stCondLst>
-                            <p:childTnLst>
-                              <p:par>
-                                <p:cTn fill="hold" nodeType="clickEffect" presetClass="entr" presetID="10" presetSubtype="0">
-                                  <p:stCondLst>
-                                    <p:cond delay="0"/>
-                                  </p:stCondLst>
-                                  <p:childTnLst>
-                                    <p:set>
-                                      <p:cBhvr>
-                                        <p:cTn dur="1" fill="hold">
-                                          <p:stCondLst>
-                                            <p:cond delay="0"/>
-                                          </p:stCondLst>
-                                        </p:cTn>
-                                        <p:tgtEl>
-                                          <p:spTgt spid="335"/>
-                                        </p:tgtEl>
-                                        <p:attrNameLst>
-                                          <p:attrName>style.visibility</p:attrName>
-                                        </p:attrNameLst>
-                                      </p:cBhvr>
-                                      <p:to>
-                                        <p:strVal val="visible"/>
-                                      </p:to>
-                                    </p:set>
-                                    <p:animEffect filter="fade" transition="in">
-                                      <p:cBhvr>
-                                        <p:cTn dur="1000"/>
-                                        <p:tgtEl>
-                                          <p:spTgt spid="335"/>
                                         </p:tgtEl>
                                       </p:cBhvr>
                                     </p:animEffect>
@@ -29101,6 +28852,285 @@
 </file>
 
 <file path=ppt/theme/theme1.xml><?xml version="1.0" encoding="utf-8"?>
+<a:theme xmlns:a="http://schemas.openxmlformats.org/drawingml/2006/main" xmlns:r="http://schemas.openxmlformats.org/officeDocument/2006/relationships">
+  <a:themeElements>
+    <a:clrScheme name="Default">
+      <a:dk1>
+        <a:srgbClr val="000000"/>
+      </a:dk1>
+      <a:lt1>
+        <a:srgbClr val="FFFFFF"/>
+      </a:lt1>
+      <a:dk2>
+        <a:srgbClr val="158158"/>
+      </a:dk2>
+      <a:lt2>
+        <a:srgbClr val="F3F3F3"/>
+      </a:lt2>
+      <a:accent1>
+        <a:srgbClr val="058DC7"/>
+      </a:accent1>
+      <a:accent2>
+        <a:srgbClr val="50B432"/>
+      </a:accent2>
+      <a:accent3>
+        <a:srgbClr val="ED561B"/>
+      </a:accent3>
+      <a:accent4>
+        <a:srgbClr val="EDEF00"/>
+      </a:accent4>
+      <a:accent5>
+        <a:srgbClr val="24CBE5"/>
+      </a:accent5>
+      <a:accent6>
+        <a:srgbClr val="64E572"/>
+      </a:accent6>
+      <a:hlink>
+        <a:srgbClr val="2200CC"/>
+      </a:hlink>
+      <a:folHlink>
+        <a:srgbClr val="551A8B"/>
+      </a:folHlink>
+    </a:clrScheme>
+    <a:fontScheme name="Office">
+      <a:majorFont>
+        <a:latin typeface="Arial"/>
+        <a:ea typeface=""/>
+        <a:cs typeface=""/>
+        <a:font script="Jpan" typeface="ＭＳ Ｐゴシック"/>
+        <a:font script="Hang" typeface="맑은 고딕"/>
+        <a:font script="Hans" typeface="宋体"/>
+        <a:font script="Hant" typeface="新細明體"/>
+        <a:font script="Arab" typeface="Times New Roman"/>
+        <a:font script="Hebr" typeface="Times New Roman"/>
+        <a:font script="Thai" typeface="Angsana New"/>
+        <a:font script="Ethi" typeface="Nyala"/>
+        <a:font script="Beng" typeface="Vrinda"/>
+        <a:font script="Gujr" typeface="Shruti"/>
+        <a:font script="Khmr" typeface="MoolBoran"/>
+        <a:font script="Knda" typeface="Tunga"/>
+        <a:font script="Guru" typeface="Raavi"/>
+        <a:font script="Cans" typeface="Euphemia"/>
+        <a:font script="Cher" typeface="Plantagenet Cherokee"/>
+        <a:font script="Yiii" typeface="Microsoft Yi Baiti"/>
+        <a:font script="Tibt" typeface="Microsoft Himalaya"/>
+        <a:font script="Thaa" typeface="MV Boli"/>
+        <a:font script="Deva" typeface="Mangal"/>
+        <a:font script="Telu" typeface="Gautami"/>
+        <a:font script="Taml" typeface="Latha"/>
+        <a:font script="Syrc" typeface="Estrangelo Edessa"/>
+        <a:font script="Orya" typeface="Kalinga"/>
+        <a:font script="Mlym" typeface="Kartika"/>
+        <a:font script="Laoo" typeface="DokChampa"/>
+        <a:font script="Sinh" typeface="Iskoola Pota"/>
+        <a:font script="Mong" typeface="Mongolian Baiti"/>
+        <a:font script="Viet" typeface="Times New Roman"/>
+        <a:font script="Uigh" typeface="Microsoft Uighur"/>
+        <a:font script="Geor" typeface="Sylfaen"/>
+      </a:majorFont>
+      <a:minorFont>
+        <a:latin typeface="Arial"/>
+        <a:ea typeface=""/>
+        <a:cs typeface=""/>
+        <a:font script="Jpan" typeface="ＭＳ Ｐゴシック"/>
+        <a:font script="Hang" typeface="맑은 고딕"/>
+        <a:font script="Hans" typeface="宋体"/>
+        <a:font script="Hant" typeface="新細明體"/>
+        <a:font script="Arab" typeface="Arial"/>
+        <a:font script="Hebr" typeface="Arial"/>
+        <a:font script="Thai" typeface="Cordia New"/>
+        <a:font script="Ethi" typeface="Nyala"/>
+        <a:font script="Beng" typeface="Vrinda"/>
+        <a:font script="Gujr" typeface="Shruti"/>
+        <a:font script="Khmr" typeface="DaunPenh"/>
+        <a:font script="Knda" typeface="Tunga"/>
+        <a:font script="Guru" typeface="Raavi"/>
+        <a:font script="Cans" typeface="Euphemia"/>
+        <a:font script="Cher" typeface="Plantagenet Cherokee"/>
+        <a:font script="Yiii" typeface="Microsoft Yi Baiti"/>
+        <a:font script="Tibt" typeface="Microsoft Himalaya"/>
+        <a:font script="Thaa" typeface="MV Boli"/>
+        <a:font script="Deva" typeface="Mangal"/>
+        <a:font script="Telu" typeface="Gautami"/>
+        <a:font script="Taml" typeface="Latha"/>
+        <a:font script="Syrc" typeface="Estrangelo Edessa"/>
+        <a:font script="Orya" typeface="Kalinga"/>
+        <a:font script="Mlym" typeface="Kartika"/>
+        <a:font script="Laoo" typeface="DokChampa"/>
+        <a:font script="Sinh" typeface="Iskoola Pota"/>
+        <a:font script="Mong" typeface="Mongolian Baiti"/>
+        <a:font script="Viet" typeface="Arial"/>
+        <a:font script="Uigh" typeface="Microsoft Uighur"/>
+        <a:font script="Geor" typeface="Sylfaen"/>
+      </a:minorFont>
+    </a:fontScheme>
+    <a:fmtScheme name="Office">
+      <a:fillStyleLst>
+        <a:solidFill>
+          <a:schemeClr val="phClr"/>
+        </a:solidFill>
+        <a:gradFill rotWithShape="1">
+          <a:gsLst>
+            <a:gs pos="0">
+              <a:schemeClr val="phClr">
+                <a:tint val="50000"/>
+                <a:satMod val="300000"/>
+              </a:schemeClr>
+            </a:gs>
+            <a:gs pos="35000">
+              <a:schemeClr val="phClr">
+                <a:tint val="37000"/>
+                <a:satMod val="300000"/>
+              </a:schemeClr>
+            </a:gs>
+            <a:gs pos="100000">
+              <a:schemeClr val="phClr">
+                <a:tint val="15000"/>
+                <a:satMod val="350000"/>
+              </a:schemeClr>
+            </a:gs>
+          </a:gsLst>
+          <a:lin ang="16200000" scaled="1"/>
+        </a:gradFill>
+        <a:gradFill rotWithShape="1">
+          <a:gsLst>
+            <a:gs pos="0">
+              <a:schemeClr val="phClr">
+                <a:tint val="100000"/>
+                <a:shade val="100000"/>
+                <a:satMod val="130000"/>
+              </a:schemeClr>
+            </a:gs>
+            <a:gs pos="100000">
+              <a:schemeClr val="phClr">
+                <a:tint val="50000"/>
+                <a:shade val="100000"/>
+                <a:satMod val="350000"/>
+              </a:schemeClr>
+            </a:gs>
+          </a:gsLst>
+          <a:lin ang="16200000" scaled="0"/>
+        </a:gradFill>
+      </a:fillStyleLst>
+      <a:lnStyleLst>
+        <a:ln w="9525" cap="flat" cmpd="sng" algn="ctr">
+          <a:solidFill>
+            <a:schemeClr val="phClr">
+              <a:shade val="95000"/>
+              <a:satMod val="105000"/>
+            </a:schemeClr>
+          </a:solidFill>
+          <a:prstDash val="solid"/>
+        </a:ln>
+        <a:ln w="25400" cap="flat" cmpd="sng" algn="ctr">
+          <a:solidFill>
+            <a:schemeClr val="phClr"/>
+          </a:solidFill>
+          <a:prstDash val="solid"/>
+        </a:ln>
+        <a:ln w="38100" cap="flat" cmpd="sng" algn="ctr">
+          <a:solidFill>
+            <a:schemeClr val="phClr"/>
+          </a:solidFill>
+          <a:prstDash val="solid"/>
+        </a:ln>
+      </a:lnStyleLst>
+      <a:effectStyleLst>
+        <a:effectStyle>
+          <a:effectLst>
+            <a:outerShdw blurRad="40000" dist="20000" dir="5400000" rotWithShape="0">
+              <a:srgbClr val="000000">
+                <a:alpha val="38000"/>
+              </a:srgbClr>
+            </a:outerShdw>
+          </a:effectLst>
+        </a:effectStyle>
+        <a:effectStyle>
+          <a:effectLst>
+            <a:outerShdw blurRad="40000" dist="23000" dir="5400000" rotWithShape="0">
+              <a:srgbClr val="000000">
+                <a:alpha val="35000"/>
+              </a:srgbClr>
+            </a:outerShdw>
+          </a:effectLst>
+        </a:effectStyle>
+        <a:effectStyle>
+          <a:effectLst>
+            <a:outerShdw blurRad="40000" dist="23000" dir="5400000" rotWithShape="0">
+              <a:srgbClr val="000000">
+                <a:alpha val="35000"/>
+              </a:srgbClr>
+            </a:outerShdw>
+          </a:effectLst>
+          <a:scene3d>
+            <a:camera prst="orthographicFront">
+              <a:rot lat="0" lon="0" rev="0"/>
+            </a:camera>
+            <a:lightRig rig="threePt" dir="t">
+              <a:rot lat="0" lon="0" rev="1200000"/>
+            </a:lightRig>
+          </a:scene3d>
+          <a:sp3d>
+            <a:bevelT w="63500" h="25400"/>
+          </a:sp3d>
+        </a:effectStyle>
+      </a:effectStyleLst>
+      <a:bgFillStyleLst>
+        <a:solidFill>
+          <a:schemeClr val="phClr"/>
+        </a:solidFill>
+        <a:gradFill rotWithShape="1">
+          <a:gsLst>
+            <a:gs pos="0">
+              <a:schemeClr val="phClr">
+                <a:tint val="40000"/>
+                <a:satMod val="350000"/>
+              </a:schemeClr>
+            </a:gs>
+            <a:gs pos="40000">
+              <a:schemeClr val="phClr">
+                <a:tint val="45000"/>
+                <a:shade val="99000"/>
+                <a:satMod val="350000"/>
+              </a:schemeClr>
+            </a:gs>
+            <a:gs pos="100000">
+              <a:schemeClr val="phClr">
+                <a:shade val="20000"/>
+                <a:satMod val="255000"/>
+              </a:schemeClr>
+            </a:gs>
+          </a:gsLst>
+          <a:path path="circle">
+            <a:fillToRect l="50000" t="-80000" r="50000" b="180000"/>
+          </a:path>
+        </a:gradFill>
+        <a:gradFill rotWithShape="1">
+          <a:gsLst>
+            <a:gs pos="0">
+              <a:schemeClr val="phClr">
+                <a:tint val="80000"/>
+                <a:satMod val="300000"/>
+              </a:schemeClr>
+            </a:gs>
+            <a:gs pos="100000">
+              <a:schemeClr val="phClr">
+                <a:shade val="30000"/>
+                <a:satMod val="200000"/>
+              </a:schemeClr>
+            </a:gs>
+          </a:gsLst>
+          <a:path path="circle">
+            <a:fillToRect l="50000" t="50000" r="50000" b="50000"/>
+          </a:path>
+        </a:gradFill>
+      </a:bgFillStyleLst>
+    </a:fmtScheme>
+  </a:themeElements>
+</a:theme>
+</file>
+
+<file path=ppt/theme/theme2.xml><?xml version="1.0" encoding="utf-8"?>
 <a:theme xmlns:a="http://schemas.openxmlformats.org/drawingml/2006/main" xmlns:r="http://schemas.openxmlformats.org/officeDocument/2006/relationships" name="Simple Dark">
   <a:themeElements>
     <a:clrScheme name="Simple Dark">
@@ -29377,283 +29407,4 @@
     </a:fmtScheme>
   </a:themeElements>
 </a:theme>
-</file>
-
-<file path=ppt/theme/theme2.xml><?xml version="1.0" encoding="utf-8"?>
-<a:theme xmlns:a="http://schemas.openxmlformats.org/drawingml/2006/main" xmlns:r="http://schemas.openxmlformats.org/officeDocument/2006/relationships">
-  <a:themeElements>
-    <a:clrScheme name="Default">
-      <a:dk1>
-        <a:srgbClr val="000000"/>
-      </a:dk1>
-      <a:lt1>
-        <a:srgbClr val="FFFFFF"/>
-      </a:lt1>
-      <a:dk2>
-        <a:srgbClr val="158158"/>
-      </a:dk2>
-      <a:lt2>
-        <a:srgbClr val="F3F3F3"/>
-      </a:lt2>
-      <a:accent1>
-        <a:srgbClr val="058DC7"/>
-      </a:accent1>
-      <a:accent2>
-        <a:srgbClr val="50B432"/>
-      </a:accent2>
-      <a:accent3>
-        <a:srgbClr val="ED561B"/>
-      </a:accent3>
-      <a:accent4>
-        <a:srgbClr val="EDEF00"/>
-      </a:accent4>
-      <a:accent5>
-        <a:srgbClr val="24CBE5"/>
-      </a:accent5>
-      <a:accent6>
-        <a:srgbClr val="64E572"/>
-      </a:accent6>
-      <a:hlink>
-        <a:srgbClr val="2200CC"/>
-      </a:hlink>
-      <a:folHlink>
-        <a:srgbClr val="551A8B"/>
-      </a:folHlink>
-    </a:clrScheme>
-    <a:fontScheme name="Office">
-      <a:majorFont>
-        <a:latin typeface="Arial"/>
-        <a:ea typeface=""/>
-        <a:cs typeface=""/>
-        <a:font script="Jpan" typeface="ＭＳ Ｐゴシック"/>
-        <a:font script="Hang" typeface="맑은 고딕"/>
-        <a:font script="Hans" typeface="宋体"/>
-        <a:font script="Hant" typeface="新細明體"/>
-        <a:font script="Arab" typeface="Times New Roman"/>
-        <a:font script="Hebr" typeface="Times New Roman"/>
-        <a:font script="Thai" typeface="Angsana New"/>
-        <a:font script="Ethi" typeface="Nyala"/>
-        <a:font script="Beng" typeface="Vrinda"/>
-        <a:font script="Gujr" typeface="Shruti"/>
-        <a:font script="Khmr" typeface="MoolBoran"/>
-        <a:font script="Knda" typeface="Tunga"/>
-        <a:font script="Guru" typeface="Raavi"/>
-        <a:font script="Cans" typeface="Euphemia"/>
-        <a:font script="Cher" typeface="Plantagenet Cherokee"/>
-        <a:font script="Yiii" typeface="Microsoft Yi Baiti"/>
-        <a:font script="Tibt" typeface="Microsoft Himalaya"/>
-        <a:font script="Thaa" typeface="MV Boli"/>
-        <a:font script="Deva" typeface="Mangal"/>
-        <a:font script="Telu" typeface="Gautami"/>
-        <a:font script="Taml" typeface="Latha"/>
-        <a:font script="Syrc" typeface="Estrangelo Edessa"/>
-        <a:font script="Orya" typeface="Kalinga"/>
-        <a:font script="Mlym" typeface="Kartika"/>
-        <a:font script="Laoo" typeface="DokChampa"/>
-        <a:font script="Sinh" typeface="Iskoola Pota"/>
-        <a:font script="Mong" typeface="Mongolian Baiti"/>
-        <a:font script="Viet" typeface="Times New Roman"/>
-        <a:font script="Uigh" typeface="Microsoft Uighur"/>
-        <a:font script="Geor" typeface="Sylfaen"/>
-      </a:majorFont>
-      <a:minorFont>
-        <a:latin typeface="Arial"/>
-        <a:ea typeface=""/>
-        <a:cs typeface=""/>
-        <a:font script="Jpan" typeface="ＭＳ Ｐゴシック"/>
-        <a:font script="Hang" typeface="맑은 고딕"/>
-        <a:font script="Hans" typeface="宋体"/>
-        <a:font script="Hant" typeface="新細明體"/>
-        <a:font script="Arab" typeface="Arial"/>
-        <a:font script="Hebr" typeface="Arial"/>
-        <a:font script="Thai" typeface="Cordia New"/>
-        <a:font script="Ethi" typeface="Nyala"/>
-        <a:font script="Beng" typeface="Vrinda"/>
-        <a:font script="Gujr" typeface="Shruti"/>
-        <a:font script="Khmr" typeface="DaunPenh"/>
-        <a:font script="Knda" typeface="Tunga"/>
-        <a:font script="Guru" typeface="Raavi"/>
-        <a:font script="Cans" typeface="Euphemia"/>
-        <a:font script="Cher" typeface="Plantagenet Cherokee"/>
-        <a:font script="Yiii" typeface="Microsoft Yi Baiti"/>
-        <a:font script="Tibt" typeface="Microsoft Himalaya"/>
-        <a:font script="Thaa" typeface="MV Boli"/>
-        <a:font script="Deva" typeface="Mangal"/>
-        <a:font script="Telu" typeface="Gautami"/>
-        <a:font script="Taml" typeface="Latha"/>
-        <a:font script="Syrc" typeface="Estrangelo Edessa"/>
-        <a:font script="Orya" typeface="Kalinga"/>
-        <a:font script="Mlym" typeface="Kartika"/>
-        <a:font script="Laoo" typeface="DokChampa"/>
-        <a:font script="Sinh" typeface="Iskoola Pota"/>
-        <a:font script="Mong" typeface="Mongolian Baiti"/>
-        <a:font script="Viet" typeface="Arial"/>
-        <a:font script="Uigh" typeface="Microsoft Uighur"/>
-        <a:font script="Geor" typeface="Sylfaen"/>
-      </a:minorFont>
-    </a:fontScheme>
-    <a:fmtScheme name="Office">
-      <a:fillStyleLst>
-        <a:solidFill>
-          <a:schemeClr val="phClr"/>
-        </a:solidFill>
-        <a:gradFill rotWithShape="1">
-          <a:gsLst>
-            <a:gs pos="0">
-              <a:schemeClr val="phClr">
-                <a:tint val="50000"/>
-                <a:satMod val="300000"/>
-              </a:schemeClr>
-            </a:gs>
-            <a:gs pos="35000">
-              <a:schemeClr val="phClr">
-                <a:tint val="37000"/>
-                <a:satMod val="300000"/>
-              </a:schemeClr>
-            </a:gs>
-            <a:gs pos="100000">
-              <a:schemeClr val="phClr">
-                <a:tint val="15000"/>
-                <a:satMod val="350000"/>
-              </a:schemeClr>
-            </a:gs>
-          </a:gsLst>
-          <a:lin ang="16200000" scaled="1"/>
-        </a:gradFill>
-        <a:gradFill rotWithShape="1">
-          <a:gsLst>
-            <a:gs pos="0">
-              <a:schemeClr val="phClr">
-                <a:tint val="100000"/>
-                <a:shade val="100000"/>
-                <a:satMod val="130000"/>
-              </a:schemeClr>
-            </a:gs>
-            <a:gs pos="100000">
-              <a:schemeClr val="phClr">
-                <a:tint val="50000"/>
-                <a:shade val="100000"/>
-                <a:satMod val="350000"/>
-              </a:schemeClr>
-            </a:gs>
-          </a:gsLst>
-          <a:lin ang="16200000" scaled="0"/>
-        </a:gradFill>
-      </a:fillStyleLst>
-      <a:lnStyleLst>
-        <a:ln w="9525" cap="flat" cmpd="sng" algn="ctr">
-          <a:solidFill>
-            <a:schemeClr val="phClr">
-              <a:shade val="95000"/>
-              <a:satMod val="105000"/>
-            </a:schemeClr>
-          </a:solidFill>
-          <a:prstDash val="solid"/>
-        </a:ln>
-        <a:ln w="25400" cap="flat" cmpd="sng" algn="ctr">
-          <a:solidFill>
-            <a:schemeClr val="phClr"/>
-          </a:solidFill>
-          <a:prstDash val="solid"/>
-        </a:ln>
-        <a:ln w="38100" cap="flat" cmpd="sng" algn="ctr">
-          <a:solidFill>
-            <a:schemeClr val="phClr"/>
-          </a:solidFill>
-          <a:prstDash val="solid"/>
-        </a:ln>
-      </a:lnStyleLst>
-      <a:effectStyleLst>
-        <a:effectStyle>
-          <a:effectLst>
-            <a:outerShdw blurRad="40000" dist="20000" dir="5400000" rotWithShape="0">
-              <a:srgbClr val="000000">
-                <a:alpha val="38000"/>
-              </a:srgbClr>
-            </a:outerShdw>
-          </a:effectLst>
-        </a:effectStyle>
-        <a:effectStyle>
-          <a:effectLst>
-            <a:outerShdw blurRad="40000" dist="23000" dir="5400000" rotWithShape="0">
-              <a:srgbClr val="000000">
-                <a:alpha val="35000"/>
-              </a:srgbClr>
-            </a:outerShdw>
-          </a:effectLst>
-        </a:effectStyle>
-        <a:effectStyle>
-          <a:effectLst>
-            <a:outerShdw blurRad="40000" dist="23000" dir="5400000" rotWithShape="0">
-              <a:srgbClr val="000000">
-                <a:alpha val="35000"/>
-              </a:srgbClr>
-            </a:outerShdw>
-          </a:effectLst>
-          <a:scene3d>
-            <a:camera prst="orthographicFront">
-              <a:rot lat="0" lon="0" rev="0"/>
-            </a:camera>
-            <a:lightRig rig="threePt" dir="t">
-              <a:rot lat="0" lon="0" rev="1200000"/>
-            </a:lightRig>
-          </a:scene3d>
-          <a:sp3d>
-            <a:bevelT w="63500" h="25400"/>
-          </a:sp3d>
-        </a:effectStyle>
-      </a:effectStyleLst>
-      <a:bgFillStyleLst>
-        <a:solidFill>
-          <a:schemeClr val="phClr"/>
-        </a:solidFill>
-        <a:gradFill rotWithShape="1">
-          <a:gsLst>
-            <a:gs pos="0">
-              <a:schemeClr val="phClr">
-                <a:tint val="40000"/>
-                <a:satMod val="350000"/>
-              </a:schemeClr>
-            </a:gs>
-            <a:gs pos="40000">
-              <a:schemeClr val="phClr">
-                <a:tint val="45000"/>
-                <a:shade val="99000"/>
-                <a:satMod val="350000"/>
-              </a:schemeClr>
-            </a:gs>
-            <a:gs pos="100000">
-              <a:schemeClr val="phClr">
-                <a:shade val="20000"/>
-                <a:satMod val="255000"/>
-              </a:schemeClr>
-            </a:gs>
-          </a:gsLst>
-          <a:path path="circle">
-            <a:fillToRect l="50000" t="-80000" r="50000" b="180000"/>
-          </a:path>
-        </a:gradFill>
-        <a:gradFill rotWithShape="1">
-          <a:gsLst>
-            <a:gs pos="0">
-              <a:schemeClr val="phClr">
-                <a:tint val="80000"/>
-                <a:satMod val="300000"/>
-              </a:schemeClr>
-            </a:gs>
-            <a:gs pos="100000">
-              <a:schemeClr val="phClr">
-                <a:shade val="30000"/>
-                <a:satMod val="200000"/>
-              </a:schemeClr>
-            </a:gs>
-          </a:gsLst>
-          <a:path path="circle">
-            <a:fillToRect l="50000" t="50000" r="50000" b="50000"/>
-          </a:path>
-        </a:gradFill>
-      </a:bgFillStyleLst>
-    </a:fmtScheme>
-  </a:themeElements>
-</a:theme>
 </file>